--- a/TEAM-Kenya_diary.pptx
+++ b/TEAM-Kenya_diary.pptx
@@ -5,13 +5,32 @@
     <p:sldMasterId id="2147483648" r:id="rId1"/>
   </p:sldMasterIdLst>
   <p:notesMasterIdLst>
-    <p:notesMasterId r:id="rId6"/>
+    <p:notesMasterId r:id="rId25"/>
   </p:notesMasterIdLst>
   <p:sldIdLst>
     <p:sldId id="256" r:id="rId2"/>
     <p:sldId id="257" r:id="rId3"/>
     <p:sldId id="259" r:id="rId4"/>
     <p:sldId id="258" r:id="rId5"/>
+    <p:sldId id="260" r:id="rId6"/>
+    <p:sldId id="261" r:id="rId7"/>
+    <p:sldId id="262" r:id="rId8"/>
+    <p:sldId id="263" r:id="rId9"/>
+    <p:sldId id="264" r:id="rId10"/>
+    <p:sldId id="265" r:id="rId11"/>
+    <p:sldId id="266" r:id="rId12"/>
+    <p:sldId id="267" r:id="rId13"/>
+    <p:sldId id="269" r:id="rId14"/>
+    <p:sldId id="270" r:id="rId15"/>
+    <p:sldId id="271" r:id="rId16"/>
+    <p:sldId id="272" r:id="rId17"/>
+    <p:sldId id="273" r:id="rId18"/>
+    <p:sldId id="274" r:id="rId19"/>
+    <p:sldId id="275" r:id="rId20"/>
+    <p:sldId id="276" r:id="rId21"/>
+    <p:sldId id="277" r:id="rId22"/>
+    <p:sldId id="278" r:id="rId23"/>
+    <p:sldId id="279" r:id="rId24"/>
   </p:sldIdLst>
   <p:sldSz cx="12192000" cy="6858000"/>
   <p:notesSz cx="6858000" cy="9144000"/>
@@ -110,6 +129,11 @@
       </a:defRPr>
     </a:lvl9pPr>
   </p:defaultTextStyle>
+  <p:extLst>
+    <p:ext uri="{EFAFB233-063F-42B5-8137-9DF3F51BA10A}">
+      <p15:sldGuideLst xmlns:p15="http://schemas.microsoft.com/office/powerpoint/2012/main"/>
+    </p:ext>
+  </p:extLst>
 </p:presentation>
 </file>
 
@@ -421,7 +445,7 @@
           <a:p>
             <a:fld id="{04F52970-D95F-4388-9FAB-DA6AA324123E}" type="datetimeFigureOut">
               <a:rPr lang="en-GB" smtClean="0"/>
-              <a:t>06/06/2023</a:t>
+              <a:t>14/08/2023</a:t>
             </a:fld>
             <a:endParaRPr lang="en-GB"/>
           </a:p>
@@ -922,7 +946,7 @@
           <a:p>
             <a:fld id="{C3F934BF-0C8D-4037-B441-EB39C2AE3EEE}" type="datetimeFigureOut">
               <a:rPr lang="en-GB" smtClean="0"/>
-              <a:t>06/06/2023</a:t>
+              <a:t>14/08/2023</a:t>
             </a:fld>
             <a:endParaRPr lang="en-GB"/>
           </a:p>
@@ -1122,7 +1146,7 @@
           <a:p>
             <a:fld id="{C3F934BF-0C8D-4037-B441-EB39C2AE3EEE}" type="datetimeFigureOut">
               <a:rPr lang="en-GB" smtClean="0"/>
-              <a:t>06/06/2023</a:t>
+              <a:t>14/08/2023</a:t>
             </a:fld>
             <a:endParaRPr lang="en-GB"/>
           </a:p>
@@ -1332,7 +1356,7 @@
           <a:p>
             <a:fld id="{C3F934BF-0C8D-4037-B441-EB39C2AE3EEE}" type="datetimeFigureOut">
               <a:rPr lang="en-GB" smtClean="0"/>
-              <a:t>06/06/2023</a:t>
+              <a:t>14/08/2023</a:t>
             </a:fld>
             <a:endParaRPr lang="en-GB"/>
           </a:p>
@@ -1532,7 +1556,7 @@
           <a:p>
             <a:fld id="{C3F934BF-0C8D-4037-B441-EB39C2AE3EEE}" type="datetimeFigureOut">
               <a:rPr lang="en-GB" smtClean="0"/>
-              <a:t>06/06/2023</a:t>
+              <a:t>14/08/2023</a:t>
             </a:fld>
             <a:endParaRPr lang="en-GB"/>
           </a:p>
@@ -1808,7 +1832,7 @@
           <a:p>
             <a:fld id="{C3F934BF-0C8D-4037-B441-EB39C2AE3EEE}" type="datetimeFigureOut">
               <a:rPr lang="en-GB" smtClean="0"/>
-              <a:t>06/06/2023</a:t>
+              <a:t>14/08/2023</a:t>
             </a:fld>
             <a:endParaRPr lang="en-GB"/>
           </a:p>
@@ -2076,7 +2100,7 @@
           <a:p>
             <a:fld id="{C3F934BF-0C8D-4037-B441-EB39C2AE3EEE}" type="datetimeFigureOut">
               <a:rPr lang="en-GB" smtClean="0"/>
-              <a:t>06/06/2023</a:t>
+              <a:t>14/08/2023</a:t>
             </a:fld>
             <a:endParaRPr lang="en-GB"/>
           </a:p>
@@ -2491,7 +2515,7 @@
           <a:p>
             <a:fld id="{C3F934BF-0C8D-4037-B441-EB39C2AE3EEE}" type="datetimeFigureOut">
               <a:rPr lang="en-GB" smtClean="0"/>
-              <a:t>06/06/2023</a:t>
+              <a:t>14/08/2023</a:t>
             </a:fld>
             <a:endParaRPr lang="en-GB"/>
           </a:p>
@@ -2633,7 +2657,7 @@
           <a:p>
             <a:fld id="{C3F934BF-0C8D-4037-B441-EB39C2AE3EEE}" type="datetimeFigureOut">
               <a:rPr lang="en-GB" smtClean="0"/>
-              <a:t>06/06/2023</a:t>
+              <a:t>14/08/2023</a:t>
             </a:fld>
             <a:endParaRPr lang="en-GB"/>
           </a:p>
@@ -2746,7 +2770,7 @@
           <a:p>
             <a:fld id="{C3F934BF-0C8D-4037-B441-EB39C2AE3EEE}" type="datetimeFigureOut">
               <a:rPr lang="en-GB" smtClean="0"/>
-              <a:t>06/06/2023</a:t>
+              <a:t>14/08/2023</a:t>
             </a:fld>
             <a:endParaRPr lang="en-GB"/>
           </a:p>
@@ -3059,7 +3083,7 @@
           <a:p>
             <a:fld id="{C3F934BF-0C8D-4037-B441-EB39C2AE3EEE}" type="datetimeFigureOut">
               <a:rPr lang="en-GB" smtClean="0"/>
-              <a:t>06/06/2023</a:t>
+              <a:t>14/08/2023</a:t>
             </a:fld>
             <a:endParaRPr lang="en-GB"/>
           </a:p>
@@ -3348,7 +3372,7 @@
           <a:p>
             <a:fld id="{C3F934BF-0C8D-4037-B441-EB39C2AE3EEE}" type="datetimeFigureOut">
               <a:rPr lang="en-GB" smtClean="0"/>
-              <a:t>06/06/2023</a:t>
+              <a:t>14/08/2023</a:t>
             </a:fld>
             <a:endParaRPr lang="en-GB"/>
           </a:p>
@@ -3591,7 +3615,7 @@
           <a:p>
             <a:fld id="{C3F934BF-0C8D-4037-B441-EB39C2AE3EEE}" type="datetimeFigureOut">
               <a:rPr lang="en-GB" smtClean="0"/>
-              <a:t>06/06/2023</a:t>
+              <a:t>14/08/2023</a:t>
             </a:fld>
             <a:endParaRPr lang="en-GB"/>
           </a:p>
@@ -4227,6 +4251,1443 @@
 </p:sld>
 </file>
 
+<file path=ppt/slides/slide10.xml><?xml version="1.0" encoding="utf-8"?>
+<p:sld xmlns:a="http://schemas.openxmlformats.org/drawingml/2006/main" xmlns:r="http://schemas.openxmlformats.org/officeDocument/2006/relationships" xmlns:p="http://schemas.openxmlformats.org/presentationml/2006/main">
+  <p:cSld>
+    <p:spTree>
+      <p:nvGrpSpPr>
+        <p:cNvPr id="1" name=""/>
+        <p:cNvGrpSpPr/>
+        <p:nvPr/>
+      </p:nvGrpSpPr>
+      <p:grpSpPr>
+        <a:xfrm>
+          <a:off x="0" y="0"/>
+          <a:ext cx="0" cy="0"/>
+          <a:chOff x="0" y="0"/>
+          <a:chExt cx="0" cy="0"/>
+        </a:xfrm>
+      </p:grpSpPr>
+      <p:sp>
+        <p:nvSpPr>
+          <p:cNvPr id="2" name="Title 1">
+            <a:extLst>
+              <a:ext uri="{FF2B5EF4-FFF2-40B4-BE49-F238E27FC236}">
+                <a16:creationId xmlns:a16="http://schemas.microsoft.com/office/drawing/2014/main" id="{CD304DDA-899E-927B-E698-040C47BA7B97}"/>
+              </a:ext>
+            </a:extLst>
+          </p:cNvPr>
+          <p:cNvSpPr>
+            <a:spLocks noGrp="1"/>
+          </p:cNvSpPr>
+          <p:nvPr>
+            <p:ph type="title"/>
+          </p:nvPr>
+        </p:nvSpPr>
+        <p:spPr/>
+        <p:txBody>
+          <a:bodyPr/>
+          <a:lstStyle/>
+          <a:p>
+            <a:r>
+              <a:rPr lang="en-GB" dirty="0"/>
+              <a:t>Quick update – what else needs doing</a:t>
+            </a:r>
+          </a:p>
+        </p:txBody>
+      </p:sp>
+      <p:sp>
+        <p:nvSpPr>
+          <p:cNvPr id="3" name="Content Placeholder 2">
+            <a:extLst>
+              <a:ext uri="{FF2B5EF4-FFF2-40B4-BE49-F238E27FC236}">
+                <a16:creationId xmlns:a16="http://schemas.microsoft.com/office/drawing/2014/main" id="{997CAEE0-6C69-F927-AE67-A5229363EF33}"/>
+              </a:ext>
+            </a:extLst>
+          </p:cNvPr>
+          <p:cNvSpPr>
+            <a:spLocks noGrp="1"/>
+          </p:cNvSpPr>
+          <p:nvPr>
+            <p:ph idx="1"/>
+          </p:nvPr>
+        </p:nvSpPr>
+        <p:spPr/>
+        <p:txBody>
+          <a:bodyPr/>
+          <a:lstStyle/>
+          <a:p>
+            <a:r>
+              <a:rPr lang="en-GB" dirty="0"/>
+              <a:t>Go through each one in turn – what’s wrong?</a:t>
+            </a:r>
+          </a:p>
+        </p:txBody>
+      </p:sp>
+    </p:spTree>
+    <p:extLst>
+      <p:ext uri="{BB962C8B-B14F-4D97-AF65-F5344CB8AC3E}">
+        <p14:creationId xmlns:p14="http://schemas.microsoft.com/office/powerpoint/2010/main" val="2504798233"/>
+      </p:ext>
+    </p:extLst>
+  </p:cSld>
+  <p:clrMapOvr>
+    <a:masterClrMapping/>
+  </p:clrMapOvr>
+</p:sld>
+</file>
+
+<file path=ppt/slides/slide11.xml><?xml version="1.0" encoding="utf-8"?>
+<p:sld xmlns:a="http://schemas.openxmlformats.org/drawingml/2006/main" xmlns:r="http://schemas.openxmlformats.org/officeDocument/2006/relationships" xmlns:p="http://schemas.openxmlformats.org/presentationml/2006/main">
+  <p:cSld>
+    <p:spTree>
+      <p:nvGrpSpPr>
+        <p:cNvPr id="1" name=""/>
+        <p:cNvGrpSpPr/>
+        <p:nvPr/>
+      </p:nvGrpSpPr>
+      <p:grpSpPr>
+        <a:xfrm>
+          <a:off x="0" y="0"/>
+          <a:ext cx="0" cy="0"/>
+          <a:chOff x="0" y="0"/>
+          <a:chExt cx="0" cy="0"/>
+        </a:xfrm>
+      </p:grpSpPr>
+      <p:sp>
+        <p:nvSpPr>
+          <p:cNvPr id="2" name="Title 1">
+            <a:extLst>
+              <a:ext uri="{FF2B5EF4-FFF2-40B4-BE49-F238E27FC236}">
+                <a16:creationId xmlns:a16="http://schemas.microsoft.com/office/drawing/2014/main" id="{3285F372-7AEA-416D-4EAF-3F72DC275FE6}"/>
+              </a:ext>
+            </a:extLst>
+          </p:cNvPr>
+          <p:cNvSpPr>
+            <a:spLocks noGrp="1"/>
+          </p:cNvSpPr>
+          <p:nvPr>
+            <p:ph type="title"/>
+          </p:nvPr>
+        </p:nvSpPr>
+        <p:spPr/>
+        <p:txBody>
+          <a:bodyPr/>
+          <a:lstStyle/>
+          <a:p>
+            <a:r>
+              <a:rPr lang="en-GB" dirty="0"/>
+              <a:t>Vehicle stock</a:t>
+            </a:r>
+          </a:p>
+        </p:txBody>
+      </p:sp>
+      <p:pic>
+        <p:nvPicPr>
+          <p:cNvPr id="7" name="Picture 6">
+            <a:extLst>
+              <a:ext uri="{FF2B5EF4-FFF2-40B4-BE49-F238E27FC236}">
+                <a16:creationId xmlns:a16="http://schemas.microsoft.com/office/drawing/2014/main" id="{3E1E4639-A2A7-8A7F-59B3-03AA596A50A7}"/>
+              </a:ext>
+            </a:extLst>
+          </p:cNvPr>
+          <p:cNvPicPr>
+            <a:picLocks noChangeAspect="1"/>
+          </p:cNvPicPr>
+          <p:nvPr/>
+        </p:nvPicPr>
+        <p:blipFill>
+          <a:blip r:embed="rId2"/>
+          <a:stretch>
+            <a:fillRect/>
+          </a:stretch>
+        </p:blipFill>
+        <p:spPr>
+          <a:xfrm>
+            <a:off x="340195" y="1370185"/>
+            <a:ext cx="11511609" cy="3807457"/>
+          </a:xfrm>
+          <a:prstGeom prst="rect">
+            <a:avLst/>
+          </a:prstGeom>
+        </p:spPr>
+      </p:pic>
+    </p:spTree>
+    <p:extLst>
+      <p:ext uri="{BB962C8B-B14F-4D97-AF65-F5344CB8AC3E}">
+        <p14:creationId xmlns:p14="http://schemas.microsoft.com/office/powerpoint/2010/main" val="2243992609"/>
+      </p:ext>
+    </p:extLst>
+  </p:cSld>
+  <p:clrMapOvr>
+    <a:masterClrMapping/>
+  </p:clrMapOvr>
+</p:sld>
+</file>
+
+<file path=ppt/slides/slide12.xml><?xml version="1.0" encoding="utf-8"?>
+<p:sld xmlns:a="http://schemas.openxmlformats.org/drawingml/2006/main" xmlns:r="http://schemas.openxmlformats.org/officeDocument/2006/relationships" xmlns:p="http://schemas.openxmlformats.org/presentationml/2006/main">
+  <p:cSld>
+    <p:spTree>
+      <p:nvGrpSpPr>
+        <p:cNvPr id="1" name=""/>
+        <p:cNvGrpSpPr/>
+        <p:nvPr/>
+      </p:nvGrpSpPr>
+      <p:grpSpPr>
+        <a:xfrm>
+          <a:off x="0" y="0"/>
+          <a:ext cx="0" cy="0"/>
+          <a:chOff x="0" y="0"/>
+          <a:chExt cx="0" cy="0"/>
+        </a:xfrm>
+      </p:grpSpPr>
+      <p:sp>
+        <p:nvSpPr>
+          <p:cNvPr id="2" name="Title 1">
+            <a:extLst>
+              <a:ext uri="{FF2B5EF4-FFF2-40B4-BE49-F238E27FC236}">
+                <a16:creationId xmlns:a16="http://schemas.microsoft.com/office/drawing/2014/main" id="{AC219B17-C8E9-CD16-A380-20B762DD9D32}"/>
+              </a:ext>
+            </a:extLst>
+          </p:cNvPr>
+          <p:cNvSpPr>
+            <a:spLocks noGrp="1"/>
+          </p:cNvSpPr>
+          <p:nvPr>
+            <p:ph type="title"/>
+          </p:nvPr>
+        </p:nvSpPr>
+        <p:spPr/>
+        <p:txBody>
+          <a:bodyPr/>
+          <a:lstStyle/>
+          <a:p>
+            <a:r>
+              <a:rPr lang="en-GB" dirty="0"/>
+              <a:t>Base year vehicle stocks</a:t>
+            </a:r>
+          </a:p>
+        </p:txBody>
+      </p:sp>
+      <p:pic>
+        <p:nvPicPr>
+          <p:cNvPr id="4" name="Content Placeholder 3">
+            <a:extLst>
+              <a:ext uri="{FF2B5EF4-FFF2-40B4-BE49-F238E27FC236}">
+                <a16:creationId xmlns:a16="http://schemas.microsoft.com/office/drawing/2014/main" id="{305813D7-54CD-3BDC-B496-6C20A34E961E}"/>
+              </a:ext>
+            </a:extLst>
+          </p:cNvPr>
+          <p:cNvPicPr>
+            <a:picLocks noGrp="1" noChangeAspect="1"/>
+          </p:cNvPicPr>
+          <p:nvPr>
+            <p:ph idx="1"/>
+          </p:nvPr>
+        </p:nvPicPr>
+        <p:blipFill>
+          <a:blip r:embed="rId2"/>
+          <a:stretch>
+            <a:fillRect/>
+          </a:stretch>
+        </p:blipFill>
+        <p:spPr>
+          <a:xfrm>
+            <a:off x="838200" y="1854445"/>
+            <a:ext cx="3852891" cy="3486175"/>
+          </a:xfrm>
+          <a:prstGeom prst="rect">
+            <a:avLst/>
+          </a:prstGeom>
+        </p:spPr>
+      </p:pic>
+      <p:sp>
+        <p:nvSpPr>
+          <p:cNvPr id="6" name="TextBox 5">
+            <a:extLst>
+              <a:ext uri="{FF2B5EF4-FFF2-40B4-BE49-F238E27FC236}">
+                <a16:creationId xmlns:a16="http://schemas.microsoft.com/office/drawing/2014/main" id="{CF9F2132-754A-3F6A-C5F3-BA530280D86E}"/>
+              </a:ext>
+            </a:extLst>
+          </p:cNvPr>
+          <p:cNvSpPr txBox="1"/>
+          <p:nvPr/>
+        </p:nvSpPr>
+        <p:spPr>
+          <a:xfrm>
+            <a:off x="5533900" y="1989118"/>
+            <a:ext cx="6008915" cy="2585323"/>
+          </a:xfrm>
+          <a:prstGeom prst="rect">
+            <a:avLst/>
+          </a:prstGeom>
+          <a:noFill/>
+        </p:spPr>
+        <p:txBody>
+          <a:bodyPr wrap="square" rtlCol="0">
+            <a:spAutoFit/>
+          </a:bodyPr>
+          <a:lstStyle/>
+          <a:p>
+            <a:r>
+              <a:rPr lang="en-GB" dirty="0"/>
+              <a:t>This could still be because broken vehicle stock data (old).</a:t>
+            </a:r>
+          </a:p>
+          <a:p>
+            <a:endParaRPr lang="en-GB" dirty="0"/>
+          </a:p>
+          <a:p>
+            <a:r>
+              <a:rPr lang="en-GB" dirty="0"/>
+              <a:t>Verified that newer version is ok and replaced. </a:t>
+            </a:r>
+          </a:p>
+          <a:p>
+            <a:endParaRPr lang="en-GB" dirty="0"/>
+          </a:p>
+          <a:p>
+            <a:r>
+              <a:rPr lang="en-GB" dirty="0"/>
+              <a:t>Have now put in all the tables in the </a:t>
+            </a:r>
+            <a:r>
+              <a:rPr lang="en-GB" dirty="0" err="1"/>
+              <a:t>Kujinao</a:t>
+            </a:r>
+            <a:r>
+              <a:rPr lang="en-GB" dirty="0"/>
+              <a:t> version.</a:t>
+            </a:r>
+          </a:p>
+          <a:p>
+            <a:endParaRPr lang="en-GB" dirty="0"/>
+          </a:p>
+          <a:p>
+            <a:r>
+              <a:rPr lang="en-GB" dirty="0"/>
+              <a:t>Will run tomorrow morning.</a:t>
+            </a:r>
+          </a:p>
+          <a:p>
+            <a:endParaRPr lang="en-GB" dirty="0"/>
+          </a:p>
+          <a:p>
+            <a:r>
+              <a:rPr lang="en-GB" dirty="0"/>
+              <a:t>Seems fixed.</a:t>
+            </a:r>
+          </a:p>
+        </p:txBody>
+      </p:sp>
+    </p:spTree>
+    <p:extLst>
+      <p:ext uri="{BB962C8B-B14F-4D97-AF65-F5344CB8AC3E}">
+        <p14:creationId xmlns:p14="http://schemas.microsoft.com/office/powerpoint/2010/main" val="2736031254"/>
+      </p:ext>
+    </p:extLst>
+  </p:cSld>
+  <p:clrMapOvr>
+    <a:masterClrMapping/>
+  </p:clrMapOvr>
+</p:sld>
+</file>
+
+<file path=ppt/slides/slide13.xml><?xml version="1.0" encoding="utf-8"?>
+<p:sld xmlns:a="http://schemas.openxmlformats.org/drawingml/2006/main" xmlns:r="http://schemas.openxmlformats.org/officeDocument/2006/relationships" xmlns:p="http://schemas.openxmlformats.org/presentationml/2006/main">
+  <p:cSld>
+    <p:spTree>
+      <p:nvGrpSpPr>
+        <p:cNvPr id="1" name=""/>
+        <p:cNvGrpSpPr/>
+        <p:nvPr/>
+      </p:nvGrpSpPr>
+      <p:grpSpPr>
+        <a:xfrm>
+          <a:off x="0" y="0"/>
+          <a:ext cx="0" cy="0"/>
+          <a:chOff x="0" y="0"/>
+          <a:chExt cx="0" cy="0"/>
+        </a:xfrm>
+      </p:grpSpPr>
+      <p:sp>
+        <p:nvSpPr>
+          <p:cNvPr id="2" name="Title 1">
+            <a:extLst>
+              <a:ext uri="{FF2B5EF4-FFF2-40B4-BE49-F238E27FC236}">
+                <a16:creationId xmlns:a16="http://schemas.microsoft.com/office/drawing/2014/main" id="{D3D34A0B-859B-62A5-F954-25306394BB5A}"/>
+              </a:ext>
+            </a:extLst>
+          </p:cNvPr>
+          <p:cNvSpPr>
+            <a:spLocks noGrp="1"/>
+          </p:cNvSpPr>
+          <p:nvPr>
+            <p:ph type="title"/>
+          </p:nvPr>
+        </p:nvSpPr>
+        <p:spPr/>
+        <p:txBody>
+          <a:bodyPr/>
+          <a:lstStyle/>
+          <a:p>
+            <a:r>
+              <a:rPr lang="en-GB" dirty="0"/>
+              <a:t>Uptake results cars</a:t>
+            </a:r>
+          </a:p>
+        </p:txBody>
+      </p:sp>
+      <p:pic>
+        <p:nvPicPr>
+          <p:cNvPr id="5" name="Content Placeholder 4">
+            <a:extLst>
+              <a:ext uri="{FF2B5EF4-FFF2-40B4-BE49-F238E27FC236}">
+                <a16:creationId xmlns:a16="http://schemas.microsoft.com/office/drawing/2014/main" id="{24586C3F-A328-8C62-543F-3378E6986EA7}"/>
+              </a:ext>
+            </a:extLst>
+          </p:cNvPr>
+          <p:cNvPicPr>
+            <a:picLocks noGrp="1" noChangeAspect="1"/>
+          </p:cNvPicPr>
+          <p:nvPr>
+            <p:ph idx="1"/>
+          </p:nvPr>
+        </p:nvPicPr>
+        <p:blipFill>
+          <a:blip r:embed="rId2"/>
+          <a:stretch>
+            <a:fillRect/>
+          </a:stretch>
+        </p:blipFill>
+        <p:spPr>
+          <a:xfrm>
+            <a:off x="838200" y="1418651"/>
+            <a:ext cx="10515600" cy="3455238"/>
+          </a:xfrm>
+        </p:spPr>
+      </p:pic>
+      <p:sp>
+        <p:nvSpPr>
+          <p:cNvPr id="6" name="TextBox 5">
+            <a:extLst>
+              <a:ext uri="{FF2B5EF4-FFF2-40B4-BE49-F238E27FC236}">
+                <a16:creationId xmlns:a16="http://schemas.microsoft.com/office/drawing/2014/main" id="{B8EDB9D4-64E9-7BFF-6181-177818CAFE34}"/>
+              </a:ext>
+            </a:extLst>
+          </p:cNvPr>
+          <p:cNvSpPr txBox="1"/>
+          <p:nvPr/>
+        </p:nvSpPr>
+        <p:spPr>
+          <a:xfrm>
+            <a:off x="1353787" y="5439349"/>
+            <a:ext cx="13145984" cy="1200329"/>
+          </a:xfrm>
+          <a:prstGeom prst="rect">
+            <a:avLst/>
+          </a:prstGeom>
+          <a:noFill/>
+        </p:spPr>
+        <p:txBody>
+          <a:bodyPr wrap="square" rtlCol="0">
+            <a:spAutoFit/>
+          </a:bodyPr>
+          <a:lstStyle/>
+          <a:p>
+            <a:pPr marL="342900" indent="-342900">
+              <a:buAutoNum type="arabicPeriod"/>
+            </a:pPr>
+            <a:r>
+              <a:rPr lang="en-GB" dirty="0"/>
+              <a:t>Less uptake for </a:t>
+            </a:r>
+            <a:r>
+              <a:rPr lang="en-GB" dirty="0" err="1"/>
+              <a:t>Kujinao</a:t>
+            </a:r>
+            <a:r>
+              <a:rPr lang="en-GB" dirty="0"/>
+              <a:t> – change tech subsidies and awareness</a:t>
+            </a:r>
+          </a:p>
+          <a:p>
+            <a:pPr marL="342900" indent="-342900">
+              <a:buAutoNum type="arabicPeriod"/>
+            </a:pPr>
+            <a:r>
+              <a:rPr lang="en-GB" dirty="0"/>
+              <a:t>-done</a:t>
+            </a:r>
+          </a:p>
+          <a:p>
+            <a:pPr marL="342900" indent="-342900">
+              <a:buAutoNum type="arabicPeriod"/>
+            </a:pPr>
+            <a:endParaRPr lang="en-GB" dirty="0"/>
+          </a:p>
+          <a:p>
+            <a:pPr marL="342900" indent="-342900">
+              <a:buAutoNum type="arabicPeriod"/>
+            </a:pPr>
+            <a:endParaRPr lang="en-GB" dirty="0"/>
+          </a:p>
+        </p:txBody>
+      </p:sp>
+    </p:spTree>
+    <p:extLst>
+      <p:ext uri="{BB962C8B-B14F-4D97-AF65-F5344CB8AC3E}">
+        <p14:creationId xmlns:p14="http://schemas.microsoft.com/office/powerpoint/2010/main" val="2492228195"/>
+      </p:ext>
+    </p:extLst>
+  </p:cSld>
+  <p:clrMapOvr>
+    <a:masterClrMapping/>
+  </p:clrMapOvr>
+</p:sld>
+</file>
+
+<file path=ppt/slides/slide14.xml><?xml version="1.0" encoding="utf-8"?>
+<p:sld xmlns:a="http://schemas.openxmlformats.org/drawingml/2006/main" xmlns:r="http://schemas.openxmlformats.org/officeDocument/2006/relationships" xmlns:p="http://schemas.openxmlformats.org/presentationml/2006/main">
+  <p:cSld>
+    <p:spTree>
+      <p:nvGrpSpPr>
+        <p:cNvPr id="1" name=""/>
+        <p:cNvGrpSpPr/>
+        <p:nvPr/>
+      </p:nvGrpSpPr>
+      <p:grpSpPr>
+        <a:xfrm>
+          <a:off x="0" y="0"/>
+          <a:ext cx="0" cy="0"/>
+          <a:chOff x="0" y="0"/>
+          <a:chExt cx="0" cy="0"/>
+        </a:xfrm>
+      </p:grpSpPr>
+      <p:sp>
+        <p:nvSpPr>
+          <p:cNvPr id="2" name="Title 1">
+            <a:extLst>
+              <a:ext uri="{FF2B5EF4-FFF2-40B4-BE49-F238E27FC236}">
+                <a16:creationId xmlns:a16="http://schemas.microsoft.com/office/drawing/2014/main" id="{CEAC91BC-9645-CA18-9ED5-1D8110119A84}"/>
+              </a:ext>
+            </a:extLst>
+          </p:cNvPr>
+          <p:cNvSpPr>
+            <a:spLocks noGrp="1"/>
+          </p:cNvSpPr>
+          <p:nvPr>
+            <p:ph type="title"/>
+          </p:nvPr>
+        </p:nvSpPr>
+        <p:spPr/>
+        <p:txBody>
+          <a:bodyPr/>
+          <a:lstStyle/>
+          <a:p>
+            <a:r>
+              <a:rPr lang="en-GB" dirty="0"/>
+              <a:t>Uptake results buses</a:t>
+            </a:r>
+          </a:p>
+        </p:txBody>
+      </p:sp>
+      <p:pic>
+        <p:nvPicPr>
+          <p:cNvPr id="5" name="Content Placeholder 4">
+            <a:extLst>
+              <a:ext uri="{FF2B5EF4-FFF2-40B4-BE49-F238E27FC236}">
+                <a16:creationId xmlns:a16="http://schemas.microsoft.com/office/drawing/2014/main" id="{27C6B171-3357-B75D-6698-548749C616BE}"/>
+              </a:ext>
+            </a:extLst>
+          </p:cNvPr>
+          <p:cNvPicPr>
+            <a:picLocks noGrp="1" noChangeAspect="1"/>
+          </p:cNvPicPr>
+          <p:nvPr>
+            <p:ph idx="1"/>
+          </p:nvPr>
+        </p:nvPicPr>
+        <p:blipFill>
+          <a:blip r:embed="rId2"/>
+          <a:stretch>
+            <a:fillRect/>
+          </a:stretch>
+        </p:blipFill>
+        <p:spPr>
+          <a:xfrm>
+            <a:off x="838200" y="1157907"/>
+            <a:ext cx="10515600" cy="3433894"/>
+          </a:xfrm>
+        </p:spPr>
+      </p:pic>
+      <p:sp>
+        <p:nvSpPr>
+          <p:cNvPr id="6" name="TextBox 5">
+            <a:extLst>
+              <a:ext uri="{FF2B5EF4-FFF2-40B4-BE49-F238E27FC236}">
+                <a16:creationId xmlns:a16="http://schemas.microsoft.com/office/drawing/2014/main" id="{1DCFDB0C-C475-7D58-0380-7418C0D8CF4A}"/>
+              </a:ext>
+            </a:extLst>
+          </p:cNvPr>
+          <p:cNvSpPr txBox="1"/>
+          <p:nvPr/>
+        </p:nvSpPr>
+        <p:spPr>
+          <a:xfrm>
+            <a:off x="1650669" y="5204323"/>
+            <a:ext cx="6495803" cy="923330"/>
+          </a:xfrm>
+          <a:prstGeom prst="rect">
+            <a:avLst/>
+          </a:prstGeom>
+          <a:noFill/>
+        </p:spPr>
+        <p:txBody>
+          <a:bodyPr wrap="square" rtlCol="0">
+            <a:spAutoFit/>
+          </a:bodyPr>
+          <a:lstStyle/>
+          <a:p>
+            <a:r>
+              <a:rPr lang="en-GB" dirty="0"/>
+              <a:t>I think that’s ok. Maybe less uptake in </a:t>
+            </a:r>
+            <a:r>
+              <a:rPr lang="en-GB" dirty="0" err="1"/>
+              <a:t>Streetfighting</a:t>
+            </a:r>
+            <a:r>
+              <a:rPr lang="en-GB" dirty="0"/>
+              <a:t>?</a:t>
+            </a:r>
+          </a:p>
+          <a:p>
+            <a:r>
+              <a:rPr lang="en-GB" dirty="0"/>
+              <a:t>This is driven by annual costs so we can affect it by playing with </a:t>
+            </a:r>
+            <a:r>
+              <a:rPr lang="en-GB" dirty="0" err="1"/>
+              <a:t>subisidies</a:t>
+            </a:r>
+            <a:endParaRPr lang="en-GB" dirty="0"/>
+          </a:p>
+        </p:txBody>
+      </p:sp>
+      <p:pic>
+        <p:nvPicPr>
+          <p:cNvPr id="8" name="Picture 7">
+            <a:extLst>
+              <a:ext uri="{FF2B5EF4-FFF2-40B4-BE49-F238E27FC236}">
+                <a16:creationId xmlns:a16="http://schemas.microsoft.com/office/drawing/2014/main" id="{6038EC98-BE36-6766-0BC9-39D0C8D213D9}"/>
+              </a:ext>
+            </a:extLst>
+          </p:cNvPr>
+          <p:cNvPicPr>
+            <a:picLocks noChangeAspect="1"/>
+          </p:cNvPicPr>
+          <p:nvPr/>
+        </p:nvPicPr>
+        <p:blipFill>
+          <a:blip r:embed="rId3"/>
+          <a:stretch>
+            <a:fillRect/>
+          </a:stretch>
+        </p:blipFill>
+        <p:spPr>
+          <a:xfrm>
+            <a:off x="7838626" y="4271273"/>
+            <a:ext cx="4162455" cy="2495568"/>
+          </a:xfrm>
+          <a:prstGeom prst="rect">
+            <a:avLst/>
+          </a:prstGeom>
+        </p:spPr>
+      </p:pic>
+    </p:spTree>
+    <p:extLst>
+      <p:ext uri="{BB962C8B-B14F-4D97-AF65-F5344CB8AC3E}">
+        <p14:creationId xmlns:p14="http://schemas.microsoft.com/office/powerpoint/2010/main" val="4173927443"/>
+      </p:ext>
+    </p:extLst>
+  </p:cSld>
+  <p:clrMapOvr>
+    <a:masterClrMapping/>
+  </p:clrMapOvr>
+</p:sld>
+</file>
+
+<file path=ppt/slides/slide15.xml><?xml version="1.0" encoding="utf-8"?>
+<p:sld xmlns:a="http://schemas.openxmlformats.org/drawingml/2006/main" xmlns:r="http://schemas.openxmlformats.org/officeDocument/2006/relationships" xmlns:p="http://schemas.openxmlformats.org/presentationml/2006/main">
+  <p:cSld>
+    <p:spTree>
+      <p:nvGrpSpPr>
+        <p:cNvPr id="1" name=""/>
+        <p:cNvGrpSpPr/>
+        <p:nvPr/>
+      </p:nvGrpSpPr>
+      <p:grpSpPr>
+        <a:xfrm>
+          <a:off x="0" y="0"/>
+          <a:ext cx="0" cy="0"/>
+          <a:chOff x="0" y="0"/>
+          <a:chExt cx="0" cy="0"/>
+        </a:xfrm>
+      </p:grpSpPr>
+      <p:sp>
+        <p:nvSpPr>
+          <p:cNvPr id="2" name="Title 1">
+            <a:extLst>
+              <a:ext uri="{FF2B5EF4-FFF2-40B4-BE49-F238E27FC236}">
+                <a16:creationId xmlns:a16="http://schemas.microsoft.com/office/drawing/2014/main" id="{6D08F886-8A13-4EA2-3B89-BE1898D5D11A}"/>
+              </a:ext>
+            </a:extLst>
+          </p:cNvPr>
+          <p:cNvSpPr>
+            <a:spLocks noGrp="1"/>
+          </p:cNvSpPr>
+          <p:nvPr>
+            <p:ph type="title"/>
+          </p:nvPr>
+        </p:nvSpPr>
+        <p:spPr/>
+        <p:txBody>
+          <a:bodyPr/>
+          <a:lstStyle/>
+          <a:p>
+            <a:r>
+              <a:rPr lang="en-GB" dirty="0"/>
+              <a:t>Uptake - trucks</a:t>
+            </a:r>
+          </a:p>
+        </p:txBody>
+      </p:sp>
+      <p:pic>
+        <p:nvPicPr>
+          <p:cNvPr id="5" name="Content Placeholder 4">
+            <a:extLst>
+              <a:ext uri="{FF2B5EF4-FFF2-40B4-BE49-F238E27FC236}">
+                <a16:creationId xmlns:a16="http://schemas.microsoft.com/office/drawing/2014/main" id="{ED1BBB8A-4ABA-703A-5969-E2DFE880242B}"/>
+              </a:ext>
+            </a:extLst>
+          </p:cNvPr>
+          <p:cNvPicPr>
+            <a:picLocks noGrp="1" noChangeAspect="1"/>
+          </p:cNvPicPr>
+          <p:nvPr>
+            <p:ph idx="1"/>
+          </p:nvPr>
+        </p:nvPicPr>
+        <p:blipFill>
+          <a:blip r:embed="rId2"/>
+          <a:stretch>
+            <a:fillRect/>
+          </a:stretch>
+        </p:blipFill>
+        <p:spPr>
+          <a:xfrm>
+            <a:off x="1591293" y="1690688"/>
+            <a:ext cx="8255198" cy="3423161"/>
+          </a:xfrm>
+        </p:spPr>
+      </p:pic>
+      <p:sp>
+        <p:nvSpPr>
+          <p:cNvPr id="6" name="TextBox 5">
+            <a:extLst>
+              <a:ext uri="{FF2B5EF4-FFF2-40B4-BE49-F238E27FC236}">
+                <a16:creationId xmlns:a16="http://schemas.microsoft.com/office/drawing/2014/main" id="{CC55C06B-0F46-3D7A-85D1-5B8533339524}"/>
+              </a:ext>
+            </a:extLst>
+          </p:cNvPr>
+          <p:cNvSpPr txBox="1"/>
+          <p:nvPr/>
+        </p:nvSpPr>
+        <p:spPr>
+          <a:xfrm>
+            <a:off x="2337989" y="5452252"/>
+            <a:ext cx="9468922" cy="1200329"/>
+          </a:xfrm>
+          <a:prstGeom prst="rect">
+            <a:avLst/>
+          </a:prstGeom>
+          <a:noFill/>
+        </p:spPr>
+        <p:txBody>
+          <a:bodyPr wrap="square" rtlCol="0">
+            <a:spAutoFit/>
+          </a:bodyPr>
+          <a:lstStyle/>
+          <a:p>
+            <a:r>
+              <a:rPr lang="en-GB" dirty="0"/>
+              <a:t>The proportions of different tech are exactly the same across scenarios. change this.</a:t>
+            </a:r>
+          </a:p>
+          <a:p>
+            <a:r>
+              <a:rPr lang="en-GB" dirty="0"/>
+              <a:t>This is because there is a sheet </a:t>
+            </a:r>
+            <a:r>
+              <a:rPr lang="en-GB" dirty="0" err="1"/>
+              <a:t>Scen_VanTypes</a:t>
+            </a:r>
+            <a:r>
+              <a:rPr lang="en-GB" dirty="0"/>
+              <a:t>, analogous to </a:t>
+            </a:r>
+            <a:r>
+              <a:rPr lang="en-GB" dirty="0" err="1"/>
+              <a:t>Scen_CarSegments</a:t>
+            </a:r>
+            <a:r>
+              <a:rPr lang="en-GB" dirty="0"/>
+              <a:t>, that sets things like supply penalties</a:t>
+            </a:r>
+          </a:p>
+          <a:p>
+            <a:r>
+              <a:rPr lang="en-GB" dirty="0"/>
+              <a:t>But, actually, we are changing supply penalties in </a:t>
+            </a:r>
+            <a:r>
+              <a:rPr lang="en-GB" dirty="0" err="1"/>
+              <a:t>Cost_Data</a:t>
+            </a:r>
+            <a:r>
+              <a:rPr lang="en-GB" dirty="0"/>
+              <a:t>. Why?</a:t>
+            </a:r>
+          </a:p>
+        </p:txBody>
+      </p:sp>
+    </p:spTree>
+    <p:extLst>
+      <p:ext uri="{BB962C8B-B14F-4D97-AF65-F5344CB8AC3E}">
+        <p14:creationId xmlns:p14="http://schemas.microsoft.com/office/powerpoint/2010/main" val="2009377713"/>
+      </p:ext>
+    </p:extLst>
+  </p:cSld>
+  <p:clrMapOvr>
+    <a:masterClrMapping/>
+  </p:clrMapOvr>
+</p:sld>
+</file>
+
+<file path=ppt/slides/slide16.xml><?xml version="1.0" encoding="utf-8"?>
+<p:sld xmlns:a="http://schemas.openxmlformats.org/drawingml/2006/main" xmlns:r="http://schemas.openxmlformats.org/officeDocument/2006/relationships" xmlns:p="http://schemas.openxmlformats.org/presentationml/2006/main">
+  <p:cSld>
+    <p:spTree>
+      <p:nvGrpSpPr>
+        <p:cNvPr id="1" name=""/>
+        <p:cNvGrpSpPr/>
+        <p:nvPr/>
+      </p:nvGrpSpPr>
+      <p:grpSpPr>
+        <a:xfrm>
+          <a:off x="0" y="0"/>
+          <a:ext cx="0" cy="0"/>
+          <a:chOff x="0" y="0"/>
+          <a:chExt cx="0" cy="0"/>
+        </a:xfrm>
+      </p:grpSpPr>
+      <p:sp>
+        <p:nvSpPr>
+          <p:cNvPr id="2" name="Title 1">
+            <a:extLst>
+              <a:ext uri="{FF2B5EF4-FFF2-40B4-BE49-F238E27FC236}">
+                <a16:creationId xmlns:a16="http://schemas.microsoft.com/office/drawing/2014/main" id="{1B8F9070-A362-942F-05D4-5E9FBB771E98}"/>
+              </a:ext>
+            </a:extLst>
+          </p:cNvPr>
+          <p:cNvSpPr>
+            <a:spLocks noGrp="1"/>
+          </p:cNvSpPr>
+          <p:nvPr>
+            <p:ph type="title"/>
+          </p:nvPr>
+        </p:nvSpPr>
+        <p:spPr/>
+        <p:txBody>
+          <a:bodyPr/>
+          <a:lstStyle/>
+          <a:p>
+            <a:r>
+              <a:rPr lang="en-GB" dirty="0"/>
+              <a:t>Uptake – DIESEL trains</a:t>
+            </a:r>
+          </a:p>
+        </p:txBody>
+      </p:sp>
+      <p:pic>
+        <p:nvPicPr>
+          <p:cNvPr id="5" name="Content Placeholder 4">
+            <a:extLst>
+              <a:ext uri="{FF2B5EF4-FFF2-40B4-BE49-F238E27FC236}">
+                <a16:creationId xmlns:a16="http://schemas.microsoft.com/office/drawing/2014/main" id="{EA9E61A7-D392-754E-286E-49E9F33716CA}"/>
+              </a:ext>
+            </a:extLst>
+          </p:cNvPr>
+          <p:cNvPicPr>
+            <a:picLocks noGrp="1" noChangeAspect="1"/>
+          </p:cNvPicPr>
+          <p:nvPr>
+            <p:ph idx="1"/>
+          </p:nvPr>
+        </p:nvPicPr>
+        <p:blipFill>
+          <a:blip r:embed="rId2"/>
+          <a:stretch>
+            <a:fillRect/>
+          </a:stretch>
+        </p:blipFill>
+        <p:spPr>
+          <a:xfrm>
+            <a:off x="1353787" y="1826883"/>
+            <a:ext cx="9287494" cy="3757022"/>
+          </a:xfrm>
+        </p:spPr>
+      </p:pic>
+      <p:sp>
+        <p:nvSpPr>
+          <p:cNvPr id="6" name="TextBox 5">
+            <a:extLst>
+              <a:ext uri="{FF2B5EF4-FFF2-40B4-BE49-F238E27FC236}">
+                <a16:creationId xmlns:a16="http://schemas.microsoft.com/office/drawing/2014/main" id="{B6D1A130-3FDD-FA85-F284-59E6CCCDFD5A}"/>
+              </a:ext>
+            </a:extLst>
+          </p:cNvPr>
+          <p:cNvSpPr txBox="1"/>
+          <p:nvPr/>
+        </p:nvSpPr>
+        <p:spPr>
+          <a:xfrm>
+            <a:off x="1472539" y="5836722"/>
+            <a:ext cx="9168741" cy="369332"/>
+          </a:xfrm>
+          <a:prstGeom prst="rect">
+            <a:avLst/>
+          </a:prstGeom>
+          <a:noFill/>
+        </p:spPr>
+        <p:txBody>
+          <a:bodyPr wrap="square" rtlCol="0">
+            <a:spAutoFit/>
+          </a:bodyPr>
+          <a:lstStyle/>
+          <a:p>
+            <a:r>
+              <a:rPr lang="en-GB" dirty="0"/>
+              <a:t>Here electric train uptake is too low for the </a:t>
+            </a:r>
+            <a:r>
+              <a:rPr lang="en-GB" dirty="0" err="1"/>
+              <a:t>omoka</a:t>
+            </a:r>
+            <a:r>
+              <a:rPr lang="en-GB" dirty="0"/>
+              <a:t> scenario </a:t>
+            </a:r>
+          </a:p>
+        </p:txBody>
+      </p:sp>
+    </p:spTree>
+    <p:extLst>
+      <p:ext uri="{BB962C8B-B14F-4D97-AF65-F5344CB8AC3E}">
+        <p14:creationId xmlns:p14="http://schemas.microsoft.com/office/powerpoint/2010/main" val="846661475"/>
+      </p:ext>
+    </p:extLst>
+  </p:cSld>
+  <p:clrMapOvr>
+    <a:masterClrMapping/>
+  </p:clrMapOvr>
+</p:sld>
+</file>
+
+<file path=ppt/slides/slide17.xml><?xml version="1.0" encoding="utf-8"?>
+<p:sld xmlns:a="http://schemas.openxmlformats.org/drawingml/2006/main" xmlns:r="http://schemas.openxmlformats.org/officeDocument/2006/relationships" xmlns:p="http://schemas.openxmlformats.org/presentationml/2006/main">
+  <p:cSld>
+    <p:spTree>
+      <p:nvGrpSpPr>
+        <p:cNvPr id="1" name=""/>
+        <p:cNvGrpSpPr/>
+        <p:nvPr/>
+      </p:nvGrpSpPr>
+      <p:grpSpPr>
+        <a:xfrm>
+          <a:off x="0" y="0"/>
+          <a:ext cx="0" cy="0"/>
+          <a:chOff x="0" y="0"/>
+          <a:chExt cx="0" cy="0"/>
+        </a:xfrm>
+      </p:grpSpPr>
+      <p:sp>
+        <p:nvSpPr>
+          <p:cNvPr id="2" name="Title 1">
+            <a:extLst>
+              <a:ext uri="{FF2B5EF4-FFF2-40B4-BE49-F238E27FC236}">
+                <a16:creationId xmlns:a16="http://schemas.microsoft.com/office/drawing/2014/main" id="{C52488DC-744F-FF3E-4BD6-4515075C7865}"/>
+              </a:ext>
+            </a:extLst>
+          </p:cNvPr>
+          <p:cNvSpPr>
+            <a:spLocks noGrp="1"/>
+          </p:cNvSpPr>
+          <p:nvPr>
+            <p:ph type="title"/>
+          </p:nvPr>
+        </p:nvSpPr>
+        <p:spPr/>
+        <p:txBody>
+          <a:bodyPr/>
+          <a:lstStyle/>
+          <a:p>
+            <a:r>
+              <a:rPr lang="en-GB" dirty="0"/>
+              <a:t>Plan of action – transport demand data</a:t>
+            </a:r>
+          </a:p>
+        </p:txBody>
+      </p:sp>
+      <p:sp>
+        <p:nvSpPr>
+          <p:cNvPr id="3" name="Content Placeholder 2">
+            <a:extLst>
+              <a:ext uri="{FF2B5EF4-FFF2-40B4-BE49-F238E27FC236}">
+                <a16:creationId xmlns:a16="http://schemas.microsoft.com/office/drawing/2014/main" id="{38F2DB85-9990-1632-9575-540C05098195}"/>
+              </a:ext>
+            </a:extLst>
+          </p:cNvPr>
+          <p:cNvSpPr>
+            <a:spLocks noGrp="1"/>
+          </p:cNvSpPr>
+          <p:nvPr>
+            <p:ph idx="1"/>
+          </p:nvPr>
+        </p:nvSpPr>
+        <p:spPr/>
+        <p:txBody>
+          <a:bodyPr>
+            <a:normAutofit lnSpcReduction="10000"/>
+          </a:bodyPr>
+          <a:lstStyle/>
+          <a:p>
+            <a:r>
+              <a:rPr lang="en-GB" dirty="0"/>
+              <a:t>Current method:</a:t>
+            </a:r>
+          </a:p>
+          <a:p>
+            <a:pPr marL="342900" lvl="0" indent="-342900">
+              <a:buFont typeface="+mj-lt"/>
+              <a:buAutoNum type="arabicPeriod"/>
+            </a:pPr>
+            <a:r>
+              <a:rPr lang="en-GB" sz="1800" dirty="0">
+                <a:effectLst/>
+                <a:latin typeface="Calibri" panose="020F0502020204030204" pitchFamily="34" charset="0"/>
+                <a:ea typeface="Times New Roman" panose="02020603050405020304" pitchFamily="18" charset="0"/>
+              </a:rPr>
+              <a:t>Enter mode share by trip length from a set of scaling factors </a:t>
+            </a:r>
+            <a:r>
+              <a:rPr lang="en-GB" sz="1800" dirty="0" err="1">
+                <a:effectLst/>
+                <a:latin typeface="Calibri" panose="020F0502020204030204" pitchFamily="34" charset="0"/>
+                <a:ea typeface="Times New Roman" panose="02020603050405020304" pitchFamily="18" charset="0"/>
+              </a:rPr>
+              <a:t>UK</a:t>
+            </a:r>
+            <a:r>
+              <a:rPr lang="en-GB" sz="1800" dirty="0" err="1">
+                <a:effectLst/>
+                <a:latin typeface="Wingdings" panose="05000000000000000000" pitchFamily="2" charset="2"/>
+                <a:ea typeface="Times New Roman" panose="02020603050405020304" pitchFamily="18" charset="0"/>
+              </a:rPr>
+              <a:t>à</a:t>
+            </a:r>
+            <a:r>
+              <a:rPr lang="en-GB" sz="1800" dirty="0" err="1">
+                <a:effectLst/>
+                <a:latin typeface="Calibri" panose="020F0502020204030204" pitchFamily="34" charset="0"/>
+                <a:ea typeface="Times New Roman" panose="02020603050405020304" pitchFamily="18" charset="0"/>
+              </a:rPr>
+              <a:t>Kenya</a:t>
+            </a:r>
+            <a:r>
+              <a:rPr lang="en-GB" sz="1800" dirty="0">
+                <a:effectLst/>
+                <a:latin typeface="Calibri" panose="020F0502020204030204" pitchFamily="34" charset="0"/>
+                <a:ea typeface="Times New Roman" panose="02020603050405020304" pitchFamily="18" charset="0"/>
+              </a:rPr>
+              <a:t>, based on analysis of ITDP/GIZ/UNDESA data for </a:t>
+            </a:r>
+            <a:r>
+              <a:rPr lang="en-GB" sz="1800" b="1" dirty="0">
+                <a:effectLst/>
+                <a:latin typeface="Calibri" panose="020F0502020204030204" pitchFamily="34" charset="0"/>
+                <a:ea typeface="Times New Roman" panose="02020603050405020304" pitchFamily="18" charset="0"/>
+              </a:rPr>
+              <a:t>all modes, all trip lengths and all years</a:t>
+            </a:r>
+            <a:endParaRPr lang="en-GB" sz="1800" dirty="0">
+              <a:effectLst/>
+              <a:latin typeface="Calibri" panose="020F0502020204030204" pitchFamily="34" charset="0"/>
+              <a:ea typeface="Calibri" panose="020F0502020204030204" pitchFamily="34" charset="0"/>
+            </a:endParaRPr>
+          </a:p>
+          <a:p>
+            <a:pPr marL="342900" lvl="0" indent="-342900">
+              <a:buFont typeface="+mj-lt"/>
+              <a:buAutoNum type="arabicPeriod"/>
+            </a:pPr>
+            <a:r>
+              <a:rPr lang="en-GB" sz="1800" dirty="0">
+                <a:effectLst/>
+                <a:latin typeface="Calibri" panose="020F0502020204030204" pitchFamily="34" charset="0"/>
+                <a:ea typeface="Times New Roman" panose="02020603050405020304" pitchFamily="18" charset="0"/>
+              </a:rPr>
+              <a:t>Enter </a:t>
+            </a:r>
+            <a:r>
+              <a:rPr lang="en-GB" sz="1800" dirty="0" err="1">
+                <a:effectLst/>
+                <a:latin typeface="Calibri" panose="020F0502020204030204" pitchFamily="34" charset="0"/>
+                <a:ea typeface="Times New Roman" panose="02020603050405020304" pitchFamily="18" charset="0"/>
+              </a:rPr>
+              <a:t>travel_demand</a:t>
+            </a:r>
+            <a:r>
+              <a:rPr lang="en-GB" sz="1800" dirty="0">
+                <a:effectLst/>
+                <a:latin typeface="Calibri" panose="020F0502020204030204" pitchFamily="34" charset="0"/>
+                <a:ea typeface="Times New Roman" panose="02020603050405020304" pitchFamily="18" charset="0"/>
+              </a:rPr>
+              <a:t> data based on mode splits from processed travel survey results from *</a:t>
+            </a:r>
+            <a:r>
+              <a:rPr lang="en-GB" sz="1800" b="1" dirty="0">
+                <a:effectLst/>
+                <a:latin typeface="Calibri" panose="020F0502020204030204" pitchFamily="34" charset="0"/>
+                <a:ea typeface="Times New Roman" panose="02020603050405020304" pitchFamily="18" charset="0"/>
+              </a:rPr>
+              <a:t>the</a:t>
+            </a:r>
+            <a:r>
+              <a:rPr lang="en-GB" sz="1800" dirty="0">
+                <a:effectLst/>
+                <a:latin typeface="Calibri" panose="020F0502020204030204" pitchFamily="34" charset="0"/>
+                <a:ea typeface="Times New Roman" panose="02020603050405020304" pitchFamily="18" charset="0"/>
+              </a:rPr>
+              <a:t>* World Bank Nairobi travel survey (number of trips only, 2013…) scaled by the mode shares derived from the above for </a:t>
+            </a:r>
+            <a:r>
+              <a:rPr lang="en-GB" sz="1800" b="1" dirty="0">
+                <a:effectLst/>
+                <a:latin typeface="Calibri" panose="020F0502020204030204" pitchFamily="34" charset="0"/>
+                <a:ea typeface="Times New Roman" panose="02020603050405020304" pitchFamily="18" charset="0"/>
+              </a:rPr>
+              <a:t>all modes, all purposes, BASE YEAR only</a:t>
+            </a:r>
+            <a:endParaRPr lang="en-GB" sz="1800" dirty="0">
+              <a:effectLst/>
+              <a:latin typeface="Calibri" panose="020F0502020204030204" pitchFamily="34" charset="0"/>
+              <a:ea typeface="Calibri" panose="020F0502020204030204" pitchFamily="34" charset="0"/>
+            </a:endParaRPr>
+          </a:p>
+          <a:p>
+            <a:pPr marL="342900" lvl="0" indent="-342900">
+              <a:buFont typeface="+mj-lt"/>
+              <a:buAutoNum type="arabicPeriod"/>
+            </a:pPr>
+            <a:r>
+              <a:rPr lang="en-GB" sz="1800" dirty="0">
+                <a:effectLst/>
+                <a:latin typeface="Calibri" panose="020F0502020204030204" pitchFamily="34" charset="0"/>
+                <a:ea typeface="Times New Roman" panose="02020603050405020304" pitchFamily="18" charset="0"/>
+              </a:rPr>
+              <a:t>Enter </a:t>
+            </a:r>
+            <a:r>
+              <a:rPr lang="en-GB" sz="1800" dirty="0" err="1">
+                <a:effectLst/>
+                <a:latin typeface="Calibri" panose="020F0502020204030204" pitchFamily="34" charset="0"/>
+                <a:ea typeface="Times New Roman" panose="02020603050405020304" pitchFamily="18" charset="0"/>
+              </a:rPr>
+              <a:t>pkm</a:t>
+            </a:r>
+            <a:r>
+              <a:rPr lang="en-GB" sz="1800" dirty="0">
+                <a:effectLst/>
+                <a:latin typeface="Calibri" panose="020F0502020204030204" pitchFamily="34" charset="0"/>
+                <a:ea typeface="Times New Roman" panose="02020603050405020304" pitchFamily="18" charset="0"/>
+              </a:rPr>
+              <a:t> and </a:t>
+            </a:r>
+            <a:r>
+              <a:rPr lang="en-GB" sz="1800" dirty="0" err="1">
+                <a:effectLst/>
+                <a:latin typeface="Calibri" panose="020F0502020204030204" pitchFamily="34" charset="0"/>
+                <a:ea typeface="Times New Roman" panose="02020603050405020304" pitchFamily="18" charset="0"/>
+              </a:rPr>
+              <a:t>tkm</a:t>
+            </a:r>
+            <a:r>
+              <a:rPr lang="en-GB" sz="1800" dirty="0">
+                <a:effectLst/>
+                <a:latin typeface="Calibri" panose="020F0502020204030204" pitchFamily="34" charset="0"/>
+                <a:ea typeface="Times New Roman" panose="02020603050405020304" pitchFamily="18" charset="0"/>
+              </a:rPr>
+              <a:t> into parameters sheet based on the same thing, for </a:t>
+            </a:r>
+            <a:r>
+              <a:rPr lang="en-GB" sz="1800" b="1" dirty="0">
+                <a:effectLst/>
+                <a:latin typeface="Calibri" panose="020F0502020204030204" pitchFamily="34" charset="0"/>
+                <a:ea typeface="Times New Roman" panose="02020603050405020304" pitchFamily="18" charset="0"/>
+              </a:rPr>
+              <a:t>all modes, BASE YEAR only</a:t>
+            </a:r>
+            <a:endParaRPr lang="en-GB" sz="1800" dirty="0">
+              <a:effectLst/>
+              <a:latin typeface="Calibri" panose="020F0502020204030204" pitchFamily="34" charset="0"/>
+              <a:ea typeface="Calibri" panose="020F0502020204030204" pitchFamily="34" charset="0"/>
+            </a:endParaRPr>
+          </a:p>
+          <a:p>
+            <a:endParaRPr lang="en-GB" dirty="0"/>
+          </a:p>
+          <a:p>
+            <a:r>
+              <a:rPr lang="en-GB" dirty="0"/>
+              <a:t>They are not linked up.</a:t>
+            </a:r>
+          </a:p>
+          <a:p>
+            <a:endParaRPr lang="en-GB" dirty="0"/>
+          </a:p>
+          <a:p>
+            <a:r>
+              <a:rPr lang="en-GB" dirty="0"/>
+              <a:t>Now they are – to the best of all possibilities!</a:t>
+            </a:r>
+          </a:p>
+        </p:txBody>
+      </p:sp>
+    </p:spTree>
+    <p:extLst>
+      <p:ext uri="{BB962C8B-B14F-4D97-AF65-F5344CB8AC3E}">
+        <p14:creationId xmlns:p14="http://schemas.microsoft.com/office/powerpoint/2010/main" val="3069675664"/>
+      </p:ext>
+    </p:extLst>
+  </p:cSld>
+  <p:clrMapOvr>
+    <a:masterClrMapping/>
+  </p:clrMapOvr>
+</p:sld>
+</file>
+
+<file path=ppt/slides/slide18.xml><?xml version="1.0" encoding="utf-8"?>
+<p:sld xmlns:a="http://schemas.openxmlformats.org/drawingml/2006/main" xmlns:r="http://schemas.openxmlformats.org/officeDocument/2006/relationships" xmlns:p="http://schemas.openxmlformats.org/presentationml/2006/main">
+  <p:cSld>
+    <p:spTree>
+      <p:nvGrpSpPr>
+        <p:cNvPr id="1" name=""/>
+        <p:cNvGrpSpPr/>
+        <p:nvPr/>
+      </p:nvGrpSpPr>
+      <p:grpSpPr>
+        <a:xfrm>
+          <a:off x="0" y="0"/>
+          <a:ext cx="0" cy="0"/>
+          <a:chOff x="0" y="0"/>
+          <a:chExt cx="0" cy="0"/>
+        </a:xfrm>
+      </p:grpSpPr>
+      <p:sp>
+        <p:nvSpPr>
+          <p:cNvPr id="2" name="Title 1">
+            <a:extLst>
+              <a:ext uri="{FF2B5EF4-FFF2-40B4-BE49-F238E27FC236}">
+                <a16:creationId xmlns:a16="http://schemas.microsoft.com/office/drawing/2014/main" id="{CE95FD49-21F1-24D1-430D-8784351AAF31}"/>
+              </a:ext>
+            </a:extLst>
+          </p:cNvPr>
+          <p:cNvSpPr>
+            <a:spLocks noGrp="1"/>
+          </p:cNvSpPr>
+          <p:nvPr>
+            <p:ph type="title"/>
+          </p:nvPr>
+        </p:nvSpPr>
+        <p:spPr/>
+        <p:txBody>
+          <a:bodyPr/>
+          <a:lstStyle/>
+          <a:p>
+            <a:r>
+              <a:rPr lang="en-GB" dirty="0"/>
+              <a:t>Next</a:t>
+            </a:r>
+          </a:p>
+        </p:txBody>
+      </p:sp>
+      <p:sp>
+        <p:nvSpPr>
+          <p:cNvPr id="3" name="Content Placeholder 2">
+            <a:extLst>
+              <a:ext uri="{FF2B5EF4-FFF2-40B4-BE49-F238E27FC236}">
+                <a16:creationId xmlns:a16="http://schemas.microsoft.com/office/drawing/2014/main" id="{88243573-BA3F-F705-1D1C-1D8CF00762EA}"/>
+              </a:ext>
+            </a:extLst>
+          </p:cNvPr>
+          <p:cNvSpPr>
+            <a:spLocks noGrp="1"/>
+          </p:cNvSpPr>
+          <p:nvPr>
+            <p:ph idx="1"/>
+          </p:nvPr>
+        </p:nvSpPr>
+        <p:spPr/>
+        <p:txBody>
+          <a:bodyPr/>
+          <a:lstStyle/>
+          <a:p>
+            <a:r>
+              <a:rPr lang="en-GB" dirty="0"/>
+              <a:t>Go through different uptake issues, and change parameters. Run model again, upload data to dashboard.</a:t>
+            </a:r>
+          </a:p>
+        </p:txBody>
+      </p:sp>
+    </p:spTree>
+    <p:extLst>
+      <p:ext uri="{BB962C8B-B14F-4D97-AF65-F5344CB8AC3E}">
+        <p14:creationId xmlns:p14="http://schemas.microsoft.com/office/powerpoint/2010/main" val="3424659815"/>
+      </p:ext>
+    </p:extLst>
+  </p:cSld>
+  <p:clrMapOvr>
+    <a:masterClrMapping/>
+  </p:clrMapOvr>
+</p:sld>
+</file>
+
+<file path=ppt/slides/slide19.xml><?xml version="1.0" encoding="utf-8"?>
+<p:sld xmlns:a="http://schemas.openxmlformats.org/drawingml/2006/main" xmlns:r="http://schemas.openxmlformats.org/officeDocument/2006/relationships" xmlns:p="http://schemas.openxmlformats.org/presentationml/2006/main">
+  <p:cSld>
+    <p:spTree>
+      <p:nvGrpSpPr>
+        <p:cNvPr id="1" name=""/>
+        <p:cNvGrpSpPr/>
+        <p:nvPr/>
+      </p:nvGrpSpPr>
+      <p:grpSpPr>
+        <a:xfrm>
+          <a:off x="0" y="0"/>
+          <a:ext cx="0" cy="0"/>
+          <a:chOff x="0" y="0"/>
+          <a:chExt cx="0" cy="0"/>
+        </a:xfrm>
+      </p:grpSpPr>
+      <p:sp>
+        <p:nvSpPr>
+          <p:cNvPr id="2" name="Title 1">
+            <a:extLst>
+              <a:ext uri="{FF2B5EF4-FFF2-40B4-BE49-F238E27FC236}">
+                <a16:creationId xmlns:a16="http://schemas.microsoft.com/office/drawing/2014/main" id="{002206FC-1CB1-4BB0-595D-98A673C53891}"/>
+              </a:ext>
+            </a:extLst>
+          </p:cNvPr>
+          <p:cNvSpPr>
+            <a:spLocks noGrp="1"/>
+          </p:cNvSpPr>
+          <p:nvPr>
+            <p:ph type="title"/>
+          </p:nvPr>
+        </p:nvSpPr>
+        <p:spPr/>
+        <p:txBody>
+          <a:bodyPr>
+            <a:normAutofit fontScale="90000"/>
+          </a:bodyPr>
+          <a:lstStyle/>
+          <a:p>
+            <a:r>
+              <a:rPr lang="en-GB" dirty="0"/>
+              <a:t>Next: re-</a:t>
+            </a:r>
+            <a:r>
+              <a:rPr lang="en-GB" dirty="0" err="1"/>
+              <a:t>oprn</a:t>
+            </a:r>
+            <a:r>
+              <a:rPr lang="en-GB" dirty="0"/>
+              <a:t> </a:t>
+            </a:r>
+            <a:r>
+              <a:rPr lang="en-GB" dirty="0" err="1"/>
+              <a:t>Scen_carSegments_change_supply</a:t>
+            </a:r>
+            <a:r>
+              <a:rPr lang="en-GB" dirty="0"/>
+              <a:t>…</a:t>
+            </a:r>
+            <a:br>
+              <a:rPr lang="en-GB" dirty="0"/>
+            </a:br>
+            <a:r>
+              <a:rPr lang="en-GB" dirty="0"/>
+              <a:t>to change the supply penalties properly.</a:t>
+            </a:r>
+          </a:p>
+        </p:txBody>
+      </p:sp>
+      <p:pic>
+        <p:nvPicPr>
+          <p:cNvPr id="5" name="Content Placeholder 4">
+            <a:extLst>
+              <a:ext uri="{FF2B5EF4-FFF2-40B4-BE49-F238E27FC236}">
+                <a16:creationId xmlns:a16="http://schemas.microsoft.com/office/drawing/2014/main" id="{C957A097-64DA-D9FA-3903-A25FF579A3BD}"/>
+              </a:ext>
+            </a:extLst>
+          </p:cNvPr>
+          <p:cNvPicPr>
+            <a:picLocks noGrp="1" noChangeAspect="1"/>
+          </p:cNvPicPr>
+          <p:nvPr>
+            <p:ph idx="1"/>
+          </p:nvPr>
+        </p:nvPicPr>
+        <p:blipFill>
+          <a:blip r:embed="rId2"/>
+          <a:stretch>
+            <a:fillRect/>
+          </a:stretch>
+        </p:blipFill>
+        <p:spPr>
+          <a:xfrm>
+            <a:off x="2893563" y="1825625"/>
+            <a:ext cx="6404874" cy="4351338"/>
+          </a:xfrm>
+        </p:spPr>
+      </p:pic>
+    </p:spTree>
+    <p:extLst>
+      <p:ext uri="{BB962C8B-B14F-4D97-AF65-F5344CB8AC3E}">
+        <p14:creationId xmlns:p14="http://schemas.microsoft.com/office/powerpoint/2010/main" val="3913857949"/>
+      </p:ext>
+    </p:extLst>
+  </p:cSld>
+  <p:clrMapOvr>
+    <a:masterClrMapping/>
+  </p:clrMapOvr>
+</p:sld>
+</file>
+
 <file path=ppt/slides/slide2.xml><?xml version="1.0" encoding="utf-8"?>
 <p:sld xmlns:a="http://schemas.openxmlformats.org/drawingml/2006/main" xmlns:r="http://schemas.openxmlformats.org/officeDocument/2006/relationships" xmlns:p="http://schemas.openxmlformats.org/presentationml/2006/main">
   <p:cSld>
@@ -4410,6 +5871,527 @@
     <p:extLst>
       <p:ext uri="{BB962C8B-B14F-4D97-AF65-F5344CB8AC3E}">
         <p14:creationId xmlns:p14="http://schemas.microsoft.com/office/powerpoint/2010/main" val="3130343997"/>
+      </p:ext>
+    </p:extLst>
+  </p:cSld>
+  <p:clrMapOvr>
+    <a:masterClrMapping/>
+  </p:clrMapOvr>
+</p:sld>
+</file>
+
+<file path=ppt/slides/slide20.xml><?xml version="1.0" encoding="utf-8"?>
+<p:sld xmlns:a="http://schemas.openxmlformats.org/drawingml/2006/main" xmlns:r="http://schemas.openxmlformats.org/officeDocument/2006/relationships" xmlns:p="http://schemas.openxmlformats.org/presentationml/2006/main">
+  <p:cSld>
+    <p:spTree>
+      <p:nvGrpSpPr>
+        <p:cNvPr id="1" name=""/>
+        <p:cNvGrpSpPr/>
+        <p:nvPr/>
+      </p:nvGrpSpPr>
+      <p:grpSpPr>
+        <a:xfrm>
+          <a:off x="0" y="0"/>
+          <a:ext cx="0" cy="0"/>
+          <a:chOff x="0" y="0"/>
+          <a:chExt cx="0" cy="0"/>
+        </a:xfrm>
+      </p:grpSpPr>
+      <p:sp>
+        <p:nvSpPr>
+          <p:cNvPr id="2" name="Title 1">
+            <a:extLst>
+              <a:ext uri="{FF2B5EF4-FFF2-40B4-BE49-F238E27FC236}">
+                <a16:creationId xmlns:a16="http://schemas.microsoft.com/office/drawing/2014/main" id="{B6B2E199-2950-51A0-3FB7-29E0CD74413C}"/>
+              </a:ext>
+            </a:extLst>
+          </p:cNvPr>
+          <p:cNvSpPr>
+            <a:spLocks noGrp="1"/>
+          </p:cNvSpPr>
+          <p:nvPr>
+            <p:ph type="title"/>
+          </p:nvPr>
+        </p:nvSpPr>
+        <p:spPr/>
+        <p:txBody>
+          <a:bodyPr/>
+          <a:lstStyle/>
+          <a:p>
+            <a:r>
+              <a:rPr lang="en-GB" dirty="0"/>
+              <a:t>Done, and ran them again</a:t>
+            </a:r>
+          </a:p>
+        </p:txBody>
+      </p:sp>
+      <p:pic>
+        <p:nvPicPr>
+          <p:cNvPr id="5" name="Content Placeholder 4">
+            <a:extLst>
+              <a:ext uri="{FF2B5EF4-FFF2-40B4-BE49-F238E27FC236}">
+                <a16:creationId xmlns:a16="http://schemas.microsoft.com/office/drawing/2014/main" id="{AC1789B4-7501-6444-768B-66E8D5D7D7F2}"/>
+              </a:ext>
+            </a:extLst>
+          </p:cNvPr>
+          <p:cNvPicPr>
+            <a:picLocks noGrp="1" noChangeAspect="1"/>
+          </p:cNvPicPr>
+          <p:nvPr>
+            <p:ph idx="1"/>
+          </p:nvPr>
+        </p:nvPicPr>
+        <p:blipFill>
+          <a:blip r:embed="rId2"/>
+          <a:stretch>
+            <a:fillRect/>
+          </a:stretch>
+        </p:blipFill>
+        <p:spPr>
+          <a:xfrm>
+            <a:off x="2321061" y="1410986"/>
+            <a:ext cx="7549878" cy="3412033"/>
+          </a:xfrm>
+        </p:spPr>
+      </p:pic>
+      <p:sp>
+        <p:nvSpPr>
+          <p:cNvPr id="6" name="TextBox 5">
+            <a:extLst>
+              <a:ext uri="{FF2B5EF4-FFF2-40B4-BE49-F238E27FC236}">
+                <a16:creationId xmlns:a16="http://schemas.microsoft.com/office/drawing/2014/main" id="{A5583775-C350-A56D-FB61-45048CF7DD78}"/>
+              </a:ext>
+            </a:extLst>
+          </p:cNvPr>
+          <p:cNvSpPr txBox="1"/>
+          <p:nvPr/>
+        </p:nvSpPr>
+        <p:spPr>
+          <a:xfrm>
+            <a:off x="3113689" y="5115910"/>
+            <a:ext cx="2199289" cy="646331"/>
+          </a:xfrm>
+          <a:prstGeom prst="rect">
+            <a:avLst/>
+          </a:prstGeom>
+          <a:noFill/>
+        </p:spPr>
+        <p:txBody>
+          <a:bodyPr wrap="square" rtlCol="0">
+            <a:spAutoFit/>
+          </a:bodyPr>
+          <a:lstStyle/>
+          <a:p>
+            <a:r>
+              <a:rPr lang="en-GB" dirty="0"/>
+              <a:t>What’s going on with that?</a:t>
+            </a:r>
+          </a:p>
+        </p:txBody>
+      </p:sp>
+    </p:spTree>
+    <p:extLst>
+      <p:ext uri="{BB962C8B-B14F-4D97-AF65-F5344CB8AC3E}">
+        <p14:creationId xmlns:p14="http://schemas.microsoft.com/office/powerpoint/2010/main" val="3647878883"/>
+      </p:ext>
+    </p:extLst>
+  </p:cSld>
+  <p:clrMapOvr>
+    <a:masterClrMapping/>
+  </p:clrMapOvr>
+</p:sld>
+</file>
+
+<file path=ppt/slides/slide21.xml><?xml version="1.0" encoding="utf-8"?>
+<p:sld xmlns:a="http://schemas.openxmlformats.org/drawingml/2006/main" xmlns:r="http://schemas.openxmlformats.org/officeDocument/2006/relationships" xmlns:p="http://schemas.openxmlformats.org/presentationml/2006/main">
+  <p:cSld>
+    <p:spTree>
+      <p:nvGrpSpPr>
+        <p:cNvPr id="1" name=""/>
+        <p:cNvGrpSpPr/>
+        <p:nvPr/>
+      </p:nvGrpSpPr>
+      <p:grpSpPr>
+        <a:xfrm>
+          <a:off x="0" y="0"/>
+          <a:ext cx="0" cy="0"/>
+          <a:chOff x="0" y="0"/>
+          <a:chExt cx="0" cy="0"/>
+        </a:xfrm>
+      </p:grpSpPr>
+      <p:sp>
+        <p:nvSpPr>
+          <p:cNvPr id="2" name="Title 1">
+            <a:extLst>
+              <a:ext uri="{FF2B5EF4-FFF2-40B4-BE49-F238E27FC236}">
+                <a16:creationId xmlns:a16="http://schemas.microsoft.com/office/drawing/2014/main" id="{11D2AD7D-4D65-02DA-0DEB-D1263F65F2E3}"/>
+              </a:ext>
+            </a:extLst>
+          </p:cNvPr>
+          <p:cNvSpPr>
+            <a:spLocks noGrp="1"/>
+          </p:cNvSpPr>
+          <p:nvPr>
+            <p:ph type="title"/>
+          </p:nvPr>
+        </p:nvSpPr>
+        <p:spPr/>
+        <p:txBody>
+          <a:bodyPr/>
+          <a:lstStyle/>
+          <a:p>
+            <a:r>
+              <a:rPr lang="en-GB" dirty="0"/>
+              <a:t>Uptake - car</a:t>
+            </a:r>
+          </a:p>
+        </p:txBody>
+      </p:sp>
+      <p:pic>
+        <p:nvPicPr>
+          <p:cNvPr id="5" name="Content Placeholder 4">
+            <a:extLst>
+              <a:ext uri="{FF2B5EF4-FFF2-40B4-BE49-F238E27FC236}">
+                <a16:creationId xmlns:a16="http://schemas.microsoft.com/office/drawing/2014/main" id="{1B7548BC-3020-2E9D-A48D-1913C2978AF1}"/>
+              </a:ext>
+            </a:extLst>
+          </p:cNvPr>
+          <p:cNvPicPr>
+            <a:picLocks noGrp="1" noChangeAspect="1"/>
+          </p:cNvPicPr>
+          <p:nvPr>
+            <p:ph idx="1"/>
+          </p:nvPr>
+        </p:nvPicPr>
+        <p:blipFill>
+          <a:blip r:embed="rId2"/>
+          <a:stretch>
+            <a:fillRect/>
+          </a:stretch>
+        </p:blipFill>
+        <p:spPr>
+          <a:xfrm>
+            <a:off x="719447" y="1480880"/>
+            <a:ext cx="10515600" cy="3354532"/>
+          </a:xfrm>
+        </p:spPr>
+      </p:pic>
+      <p:sp>
+        <p:nvSpPr>
+          <p:cNvPr id="6" name="TextBox 5">
+            <a:extLst>
+              <a:ext uri="{FF2B5EF4-FFF2-40B4-BE49-F238E27FC236}">
+                <a16:creationId xmlns:a16="http://schemas.microsoft.com/office/drawing/2014/main" id="{20D1734B-30BE-821A-95F2-FE88E25C53F2}"/>
+              </a:ext>
+            </a:extLst>
+          </p:cNvPr>
+          <p:cNvSpPr txBox="1"/>
+          <p:nvPr/>
+        </p:nvSpPr>
+        <p:spPr>
+          <a:xfrm>
+            <a:off x="5638800" y="5007788"/>
+            <a:ext cx="914400" cy="369332"/>
+          </a:xfrm>
+          <a:prstGeom prst="rect">
+            <a:avLst/>
+          </a:prstGeom>
+          <a:noFill/>
+        </p:spPr>
+        <p:txBody>
+          <a:bodyPr wrap="square" rtlCol="0">
+            <a:spAutoFit/>
+          </a:bodyPr>
+          <a:lstStyle/>
+          <a:p>
+            <a:r>
+              <a:rPr lang="en-GB" dirty="0"/>
+              <a:t>good</a:t>
+            </a:r>
+          </a:p>
+        </p:txBody>
+      </p:sp>
+    </p:spTree>
+    <p:extLst>
+      <p:ext uri="{BB962C8B-B14F-4D97-AF65-F5344CB8AC3E}">
+        <p14:creationId xmlns:p14="http://schemas.microsoft.com/office/powerpoint/2010/main" val="3266273606"/>
+      </p:ext>
+    </p:extLst>
+  </p:cSld>
+  <p:clrMapOvr>
+    <a:masterClrMapping/>
+  </p:clrMapOvr>
+</p:sld>
+</file>
+
+<file path=ppt/slides/slide22.xml><?xml version="1.0" encoding="utf-8"?>
+<p:sld xmlns:a="http://schemas.openxmlformats.org/drawingml/2006/main" xmlns:r="http://schemas.openxmlformats.org/officeDocument/2006/relationships" xmlns:p="http://schemas.openxmlformats.org/presentationml/2006/main">
+  <p:cSld>
+    <p:spTree>
+      <p:nvGrpSpPr>
+        <p:cNvPr id="1" name=""/>
+        <p:cNvGrpSpPr/>
+        <p:nvPr/>
+      </p:nvGrpSpPr>
+      <p:grpSpPr>
+        <a:xfrm>
+          <a:off x="0" y="0"/>
+          <a:ext cx="0" cy="0"/>
+          <a:chOff x="0" y="0"/>
+          <a:chExt cx="0" cy="0"/>
+        </a:xfrm>
+      </p:grpSpPr>
+      <p:sp>
+        <p:nvSpPr>
+          <p:cNvPr id="2" name="Title 1">
+            <a:extLst>
+              <a:ext uri="{FF2B5EF4-FFF2-40B4-BE49-F238E27FC236}">
+                <a16:creationId xmlns:a16="http://schemas.microsoft.com/office/drawing/2014/main" id="{D113AB67-B8C9-5BBE-76B6-EEDB3B9D0809}"/>
+              </a:ext>
+            </a:extLst>
+          </p:cNvPr>
+          <p:cNvSpPr>
+            <a:spLocks noGrp="1"/>
+          </p:cNvSpPr>
+          <p:nvPr>
+            <p:ph type="title"/>
+          </p:nvPr>
+        </p:nvSpPr>
+        <p:spPr/>
+        <p:txBody>
+          <a:bodyPr/>
+          <a:lstStyle/>
+          <a:p>
+            <a:r>
+              <a:rPr lang="en-GB" dirty="0"/>
+              <a:t>bus</a:t>
+            </a:r>
+          </a:p>
+        </p:txBody>
+      </p:sp>
+      <p:pic>
+        <p:nvPicPr>
+          <p:cNvPr id="5" name="Content Placeholder 4">
+            <a:extLst>
+              <a:ext uri="{FF2B5EF4-FFF2-40B4-BE49-F238E27FC236}">
+                <a16:creationId xmlns:a16="http://schemas.microsoft.com/office/drawing/2014/main" id="{A0E17CA5-220D-51ED-7F89-C39291F5EF47}"/>
+              </a:ext>
+            </a:extLst>
+          </p:cNvPr>
+          <p:cNvPicPr>
+            <a:picLocks noGrp="1" noChangeAspect="1"/>
+          </p:cNvPicPr>
+          <p:nvPr>
+            <p:ph idx="1"/>
+          </p:nvPr>
+        </p:nvPicPr>
+        <p:blipFill>
+          <a:blip r:embed="rId2"/>
+          <a:stretch>
+            <a:fillRect/>
+          </a:stretch>
+        </p:blipFill>
+        <p:spPr>
+          <a:xfrm>
+            <a:off x="838200" y="1690688"/>
+            <a:ext cx="10515600" cy="3262825"/>
+          </a:xfrm>
+        </p:spPr>
+      </p:pic>
+      <p:sp>
+        <p:nvSpPr>
+          <p:cNvPr id="6" name="TextBox 5">
+            <a:extLst>
+              <a:ext uri="{FF2B5EF4-FFF2-40B4-BE49-F238E27FC236}">
+                <a16:creationId xmlns:a16="http://schemas.microsoft.com/office/drawing/2014/main" id="{FED2967D-CE46-3B4F-82BA-3ACDE960D69F}"/>
+              </a:ext>
+            </a:extLst>
+          </p:cNvPr>
+          <p:cNvSpPr txBox="1"/>
+          <p:nvPr/>
+        </p:nvSpPr>
+        <p:spPr>
+          <a:xfrm>
+            <a:off x="2802577" y="5569527"/>
+            <a:ext cx="3503220" cy="646331"/>
+          </a:xfrm>
+          <a:prstGeom prst="rect">
+            <a:avLst/>
+          </a:prstGeom>
+          <a:noFill/>
+        </p:spPr>
+        <p:txBody>
+          <a:bodyPr wrap="square" rtlCol="0">
+            <a:spAutoFit/>
+          </a:bodyPr>
+          <a:lstStyle/>
+          <a:p>
+            <a:r>
+              <a:rPr lang="en-GB" dirty="0"/>
+              <a:t>Incentives too big for </a:t>
+            </a:r>
+            <a:r>
+              <a:rPr lang="en-GB" dirty="0" err="1"/>
+              <a:t>kujinao</a:t>
+            </a:r>
+            <a:r>
+              <a:rPr lang="en-GB" dirty="0"/>
+              <a:t> electric buses</a:t>
+            </a:r>
+          </a:p>
+        </p:txBody>
+      </p:sp>
+    </p:spTree>
+    <p:extLst>
+      <p:ext uri="{BB962C8B-B14F-4D97-AF65-F5344CB8AC3E}">
+        <p14:creationId xmlns:p14="http://schemas.microsoft.com/office/powerpoint/2010/main" val="3156156594"/>
+      </p:ext>
+    </p:extLst>
+  </p:cSld>
+  <p:clrMapOvr>
+    <a:masterClrMapping/>
+  </p:clrMapOvr>
+</p:sld>
+</file>
+
+<file path=ppt/slides/slide23.xml><?xml version="1.0" encoding="utf-8"?>
+<p:sld xmlns:a="http://schemas.openxmlformats.org/drawingml/2006/main" xmlns:r="http://schemas.openxmlformats.org/officeDocument/2006/relationships" xmlns:p="http://schemas.openxmlformats.org/presentationml/2006/main">
+  <p:cSld>
+    <p:spTree>
+      <p:nvGrpSpPr>
+        <p:cNvPr id="1" name=""/>
+        <p:cNvGrpSpPr/>
+        <p:nvPr/>
+      </p:nvGrpSpPr>
+      <p:grpSpPr>
+        <a:xfrm>
+          <a:off x="0" y="0"/>
+          <a:ext cx="0" cy="0"/>
+          <a:chOff x="0" y="0"/>
+          <a:chExt cx="0" cy="0"/>
+        </a:xfrm>
+      </p:grpSpPr>
+      <p:sp>
+        <p:nvSpPr>
+          <p:cNvPr id="2" name="Title 1">
+            <a:extLst>
+              <a:ext uri="{FF2B5EF4-FFF2-40B4-BE49-F238E27FC236}">
+                <a16:creationId xmlns:a16="http://schemas.microsoft.com/office/drawing/2014/main" id="{7D594B1B-5A59-D309-410C-C2B9161DDD0E}"/>
+              </a:ext>
+            </a:extLst>
+          </p:cNvPr>
+          <p:cNvSpPr>
+            <a:spLocks noGrp="1"/>
+          </p:cNvSpPr>
+          <p:nvPr>
+            <p:ph type="title"/>
+          </p:nvPr>
+        </p:nvSpPr>
+        <p:spPr/>
+        <p:txBody>
+          <a:bodyPr/>
+          <a:lstStyle/>
+          <a:p>
+            <a:r>
+              <a:rPr lang="en-GB" dirty="0" err="1"/>
+              <a:t>trcuks</a:t>
+            </a:r>
+            <a:endParaRPr lang="en-GB" dirty="0"/>
+          </a:p>
+        </p:txBody>
+      </p:sp>
+      <p:pic>
+        <p:nvPicPr>
+          <p:cNvPr id="5" name="Content Placeholder 4">
+            <a:extLst>
+              <a:ext uri="{FF2B5EF4-FFF2-40B4-BE49-F238E27FC236}">
+                <a16:creationId xmlns:a16="http://schemas.microsoft.com/office/drawing/2014/main" id="{368A73C1-CB8D-EA42-70A7-03E53E0B6327}"/>
+              </a:ext>
+            </a:extLst>
+          </p:cNvPr>
+          <p:cNvPicPr>
+            <a:picLocks noGrp="1" noChangeAspect="1"/>
+          </p:cNvPicPr>
+          <p:nvPr>
+            <p:ph idx="1"/>
+          </p:nvPr>
+        </p:nvPicPr>
+        <p:blipFill>
+          <a:blip r:embed="rId2"/>
+          <a:stretch>
+            <a:fillRect/>
+          </a:stretch>
+        </p:blipFill>
+        <p:spPr>
+          <a:xfrm>
+            <a:off x="838200" y="1690688"/>
+            <a:ext cx="10515600" cy="3363214"/>
+          </a:xfrm>
+        </p:spPr>
+      </p:pic>
+      <p:sp>
+        <p:nvSpPr>
+          <p:cNvPr id="6" name="TextBox 5">
+            <a:extLst>
+              <a:ext uri="{FF2B5EF4-FFF2-40B4-BE49-F238E27FC236}">
+                <a16:creationId xmlns:a16="http://schemas.microsoft.com/office/drawing/2014/main" id="{A8FF8DAF-6A19-BA05-D50D-3B584271456D}"/>
+              </a:ext>
+            </a:extLst>
+          </p:cNvPr>
+          <p:cNvSpPr txBox="1"/>
+          <p:nvPr/>
+        </p:nvSpPr>
+        <p:spPr>
+          <a:xfrm>
+            <a:off x="2778825" y="5167312"/>
+            <a:ext cx="3455719" cy="923330"/>
+          </a:xfrm>
+          <a:prstGeom prst="rect">
+            <a:avLst/>
+          </a:prstGeom>
+          <a:noFill/>
+        </p:spPr>
+        <p:txBody>
+          <a:bodyPr wrap="square" rtlCol="0">
+            <a:spAutoFit/>
+          </a:bodyPr>
+          <a:lstStyle/>
+          <a:p>
+            <a:r>
+              <a:rPr lang="en-GB" dirty="0"/>
+              <a:t>Probs about right – highest proportion of </a:t>
+            </a:r>
+            <a:r>
+              <a:rPr lang="en-GB" dirty="0" err="1"/>
+              <a:t>disel</a:t>
+            </a:r>
+            <a:r>
+              <a:rPr lang="en-GB" dirty="0"/>
+              <a:t> in </a:t>
+            </a:r>
+            <a:r>
+              <a:rPr lang="en-GB" dirty="0" err="1"/>
+              <a:t>streetfighting</a:t>
+            </a:r>
+            <a:r>
+              <a:rPr lang="en-GB" dirty="0"/>
+              <a:t>, lowest in </a:t>
+            </a:r>
+            <a:r>
+              <a:rPr lang="en-GB" dirty="0" err="1"/>
+              <a:t>omoka</a:t>
+            </a:r>
+            <a:r>
+              <a:rPr lang="en-GB" dirty="0"/>
+              <a:t> </a:t>
+            </a:r>
+          </a:p>
+        </p:txBody>
+      </p:sp>
+    </p:spTree>
+    <p:extLst>
+      <p:ext uri="{BB962C8B-B14F-4D97-AF65-F5344CB8AC3E}">
+        <p14:creationId xmlns:p14="http://schemas.microsoft.com/office/powerpoint/2010/main" val="2606294739"/>
       </p:ext>
     </p:extLst>
   </p:cSld>
@@ -4553,7 +6535,7 @@
         </p:blipFill>
         <p:spPr>
           <a:xfrm>
-            <a:off x="3749283" y="-97654"/>
+            <a:off x="3718060" y="0"/>
             <a:ext cx="8442717" cy="6858000"/>
           </a:xfrm>
           <a:prstGeom prst="rect">
@@ -4652,6 +6634,781 @@
     <p:extLst>
       <p:ext uri="{BB962C8B-B14F-4D97-AF65-F5344CB8AC3E}">
         <p14:creationId xmlns:p14="http://schemas.microsoft.com/office/powerpoint/2010/main" val="403042613"/>
+      </p:ext>
+    </p:extLst>
+  </p:cSld>
+  <p:clrMapOvr>
+    <a:masterClrMapping/>
+  </p:clrMapOvr>
+</p:sld>
+</file>
+
+<file path=ppt/slides/slide5.xml><?xml version="1.0" encoding="utf-8"?>
+<p:sld xmlns:a="http://schemas.openxmlformats.org/drawingml/2006/main" xmlns:r="http://schemas.openxmlformats.org/officeDocument/2006/relationships" xmlns:p="http://schemas.openxmlformats.org/presentationml/2006/main">
+  <p:cSld>
+    <p:spTree>
+      <p:nvGrpSpPr>
+        <p:cNvPr id="1" name=""/>
+        <p:cNvGrpSpPr/>
+        <p:nvPr/>
+      </p:nvGrpSpPr>
+      <p:grpSpPr>
+        <a:xfrm>
+          <a:off x="0" y="0"/>
+          <a:ext cx="0" cy="0"/>
+          <a:chOff x="0" y="0"/>
+          <a:chExt cx="0" cy="0"/>
+        </a:xfrm>
+      </p:grpSpPr>
+      <p:sp>
+        <p:nvSpPr>
+          <p:cNvPr id="2" name="Title 1">
+            <a:extLst>
+              <a:ext uri="{FF2B5EF4-FFF2-40B4-BE49-F238E27FC236}">
+                <a16:creationId xmlns:a16="http://schemas.microsoft.com/office/drawing/2014/main" id="{06C58AFF-2F2B-895D-0F7A-553EA2BF96AB}"/>
+              </a:ext>
+            </a:extLst>
+          </p:cNvPr>
+          <p:cNvSpPr>
+            <a:spLocks noGrp="1"/>
+          </p:cNvSpPr>
+          <p:nvPr>
+            <p:ph type="title"/>
+          </p:nvPr>
+        </p:nvSpPr>
+        <p:spPr/>
+        <p:txBody>
+          <a:bodyPr/>
+          <a:lstStyle/>
+          <a:p>
+            <a:r>
+              <a:rPr lang="en-GB" dirty="0"/>
+              <a:t>Re-visited</a:t>
+            </a:r>
+          </a:p>
+        </p:txBody>
+      </p:sp>
+      <p:sp>
+        <p:nvSpPr>
+          <p:cNvPr id="3" name="Content Placeholder 2">
+            <a:extLst>
+              <a:ext uri="{FF2B5EF4-FFF2-40B4-BE49-F238E27FC236}">
+                <a16:creationId xmlns:a16="http://schemas.microsoft.com/office/drawing/2014/main" id="{E6EA0DDF-EB9D-76F5-E9BC-C6AD7B5684DC}"/>
+              </a:ext>
+            </a:extLst>
+          </p:cNvPr>
+          <p:cNvSpPr>
+            <a:spLocks noGrp="1"/>
+          </p:cNvSpPr>
+          <p:nvPr>
+            <p:ph idx="1"/>
+          </p:nvPr>
+        </p:nvSpPr>
+        <p:spPr/>
+        <p:txBody>
+          <a:bodyPr/>
+          <a:lstStyle/>
+          <a:p>
+            <a:r>
+              <a:rPr lang="en-GB" dirty="0" err="1"/>
+              <a:t>Pkm</a:t>
+            </a:r>
+            <a:r>
+              <a:rPr lang="en-GB" dirty="0"/>
+              <a:t> stays the same for all years (except a dip due to covid) for all scenarios, in both </a:t>
+            </a:r>
+            <a:r>
+              <a:rPr lang="en-GB" dirty="0" err="1"/>
+              <a:t>mode_shares_triplength</a:t>
+            </a:r>
+            <a:r>
+              <a:rPr lang="en-GB" dirty="0"/>
+              <a:t> </a:t>
+            </a:r>
+            <a:r>
+              <a:rPr lang="en-GB" i="1" dirty="0"/>
+              <a:t>and</a:t>
+            </a:r>
+            <a:r>
+              <a:rPr lang="en-GB" dirty="0"/>
+              <a:t> </a:t>
+            </a:r>
+            <a:r>
+              <a:rPr lang="en-GB" dirty="0" err="1"/>
+              <a:t>travel_demand</a:t>
+            </a:r>
+            <a:endParaRPr lang="en-GB" dirty="0"/>
+          </a:p>
+          <a:p>
+            <a:pPr lvl="1"/>
+            <a:r>
+              <a:rPr lang="en-GB" dirty="0"/>
+              <a:t>But this could be an artefact of the demand input sheets?</a:t>
+            </a:r>
+          </a:p>
+          <a:p>
+            <a:pPr lvl="1"/>
+            <a:r>
+              <a:rPr lang="en-GB" dirty="0"/>
+              <a:t>Go through how </a:t>
+            </a:r>
+            <a:r>
+              <a:rPr lang="en-GB" dirty="0" err="1"/>
+              <a:t>pkm</a:t>
+            </a:r>
+            <a:r>
+              <a:rPr lang="en-GB" dirty="0"/>
+              <a:t> is entered/calculated?</a:t>
+            </a:r>
+          </a:p>
+        </p:txBody>
+      </p:sp>
+      <p:pic>
+        <p:nvPicPr>
+          <p:cNvPr id="5" name="Picture 4">
+            <a:extLst>
+              <a:ext uri="{FF2B5EF4-FFF2-40B4-BE49-F238E27FC236}">
+                <a16:creationId xmlns:a16="http://schemas.microsoft.com/office/drawing/2014/main" id="{1AD58880-1EA0-04BF-04D7-C0075C648F30}"/>
+              </a:ext>
+            </a:extLst>
+          </p:cNvPr>
+          <p:cNvPicPr>
+            <a:picLocks noChangeAspect="1"/>
+          </p:cNvPicPr>
+          <p:nvPr/>
+        </p:nvPicPr>
+        <p:blipFill>
+          <a:blip r:embed="rId2"/>
+          <a:stretch>
+            <a:fillRect/>
+          </a:stretch>
+        </p:blipFill>
+        <p:spPr>
+          <a:xfrm>
+            <a:off x="1230528" y="3528607"/>
+            <a:ext cx="5624247" cy="3198764"/>
+          </a:xfrm>
+          <a:prstGeom prst="rect">
+            <a:avLst/>
+          </a:prstGeom>
+        </p:spPr>
+      </p:pic>
+      <p:sp>
+        <p:nvSpPr>
+          <p:cNvPr id="6" name="TextBox 5">
+            <a:extLst>
+              <a:ext uri="{FF2B5EF4-FFF2-40B4-BE49-F238E27FC236}">
+                <a16:creationId xmlns:a16="http://schemas.microsoft.com/office/drawing/2014/main" id="{CF650893-99A1-2934-5F45-12FB9259DB35}"/>
+              </a:ext>
+            </a:extLst>
+          </p:cNvPr>
+          <p:cNvSpPr txBox="1"/>
+          <p:nvPr/>
+        </p:nvSpPr>
+        <p:spPr>
+          <a:xfrm>
+            <a:off x="7144858" y="4943323"/>
+            <a:ext cx="2414778" cy="369332"/>
+          </a:xfrm>
+          <a:prstGeom prst="rect">
+            <a:avLst/>
+          </a:prstGeom>
+          <a:noFill/>
+        </p:spPr>
+        <p:txBody>
+          <a:bodyPr wrap="square" rtlCol="0">
+            <a:spAutoFit/>
+          </a:bodyPr>
+          <a:lstStyle/>
+          <a:p>
+            <a:r>
+              <a:rPr lang="en-GB" dirty="0">
+                <a:sym typeface="Wingdings" panose="05000000000000000000" pitchFamily="2" charset="2"/>
+              </a:rPr>
+              <a:t> </a:t>
+            </a:r>
+            <a:r>
+              <a:rPr lang="en-GB" dirty="0"/>
+              <a:t>What TEAM ref says</a:t>
+            </a:r>
+          </a:p>
+        </p:txBody>
+      </p:sp>
+    </p:spTree>
+    <p:extLst>
+      <p:ext uri="{BB962C8B-B14F-4D97-AF65-F5344CB8AC3E}">
+        <p14:creationId xmlns:p14="http://schemas.microsoft.com/office/powerpoint/2010/main" val="556778352"/>
+      </p:ext>
+    </p:extLst>
+  </p:cSld>
+  <p:clrMapOvr>
+    <a:masterClrMapping/>
+  </p:clrMapOvr>
+</p:sld>
+</file>
+
+<file path=ppt/slides/slide6.xml><?xml version="1.0" encoding="utf-8"?>
+<p:sld xmlns:a="http://schemas.openxmlformats.org/drawingml/2006/main" xmlns:r="http://schemas.openxmlformats.org/officeDocument/2006/relationships" xmlns:p="http://schemas.openxmlformats.org/presentationml/2006/main">
+  <p:cSld>
+    <p:spTree>
+      <p:nvGrpSpPr>
+        <p:cNvPr id="1" name=""/>
+        <p:cNvGrpSpPr/>
+        <p:nvPr/>
+      </p:nvGrpSpPr>
+      <p:grpSpPr>
+        <a:xfrm>
+          <a:off x="0" y="0"/>
+          <a:ext cx="0" cy="0"/>
+          <a:chOff x="0" y="0"/>
+          <a:chExt cx="0" cy="0"/>
+        </a:xfrm>
+      </p:grpSpPr>
+      <p:sp>
+        <p:nvSpPr>
+          <p:cNvPr id="2" name="Title 1">
+            <a:extLst>
+              <a:ext uri="{FF2B5EF4-FFF2-40B4-BE49-F238E27FC236}">
+                <a16:creationId xmlns:a16="http://schemas.microsoft.com/office/drawing/2014/main" id="{10E7926D-1CA0-CD03-855B-480D26931B57}"/>
+              </a:ext>
+            </a:extLst>
+          </p:cNvPr>
+          <p:cNvSpPr>
+            <a:spLocks noGrp="1"/>
+          </p:cNvSpPr>
+          <p:nvPr>
+            <p:ph type="title"/>
+          </p:nvPr>
+        </p:nvSpPr>
+        <p:spPr/>
+        <p:txBody>
+          <a:bodyPr/>
+          <a:lstStyle/>
+          <a:p>
+            <a:endParaRPr lang="en-GB" dirty="0"/>
+          </a:p>
+        </p:txBody>
+      </p:sp>
+      <p:sp>
+        <p:nvSpPr>
+          <p:cNvPr id="3" name="Content Placeholder 2">
+            <a:extLst>
+              <a:ext uri="{FF2B5EF4-FFF2-40B4-BE49-F238E27FC236}">
+                <a16:creationId xmlns:a16="http://schemas.microsoft.com/office/drawing/2014/main" id="{A0042A11-1BCB-85C1-E768-D60B1A7B2D7A}"/>
+              </a:ext>
+            </a:extLst>
+          </p:cNvPr>
+          <p:cNvSpPr>
+            <a:spLocks noGrp="1"/>
+          </p:cNvSpPr>
+          <p:nvPr>
+            <p:ph idx="1"/>
+          </p:nvPr>
+        </p:nvSpPr>
+        <p:spPr/>
+        <p:txBody>
+          <a:bodyPr/>
+          <a:lstStyle/>
+          <a:p>
+            <a:pPr marL="0" indent="0">
+              <a:buNone/>
+            </a:pPr>
+            <a:r>
+              <a:rPr lang="en-GB" dirty="0"/>
+              <a:t>1. Enter mode shares by trip length from a set of semi-arbitrary (‘based on’ ITDP/GIZ) scaling factors UK </a:t>
+            </a:r>
+            <a:r>
+              <a:rPr lang="en-GB" dirty="0">
+                <a:sym typeface="Wingdings" panose="05000000000000000000" pitchFamily="2" charset="2"/>
+              </a:rPr>
+              <a:t> Kenya </a:t>
+            </a:r>
+            <a:endParaRPr lang="en-GB" dirty="0"/>
+          </a:p>
+        </p:txBody>
+      </p:sp>
+      <p:pic>
+        <p:nvPicPr>
+          <p:cNvPr id="5" name="Picture 4">
+            <a:extLst>
+              <a:ext uri="{FF2B5EF4-FFF2-40B4-BE49-F238E27FC236}">
+                <a16:creationId xmlns:a16="http://schemas.microsoft.com/office/drawing/2014/main" id="{C471B92D-50B7-1DC7-DF88-9A0B8EECEAC6}"/>
+              </a:ext>
+            </a:extLst>
+          </p:cNvPr>
+          <p:cNvPicPr>
+            <a:picLocks noChangeAspect="1"/>
+          </p:cNvPicPr>
+          <p:nvPr/>
+        </p:nvPicPr>
+        <p:blipFill>
+          <a:blip r:embed="rId2"/>
+          <a:stretch>
+            <a:fillRect/>
+          </a:stretch>
+        </p:blipFill>
+        <p:spPr>
+          <a:xfrm>
+            <a:off x="962242" y="2773335"/>
+            <a:ext cx="8248710" cy="3719540"/>
+          </a:xfrm>
+          <a:prstGeom prst="rect">
+            <a:avLst/>
+          </a:prstGeom>
+        </p:spPr>
+      </p:pic>
+      <p:sp>
+        <p:nvSpPr>
+          <p:cNvPr id="6" name="TextBox 5">
+            <a:extLst>
+              <a:ext uri="{FF2B5EF4-FFF2-40B4-BE49-F238E27FC236}">
+                <a16:creationId xmlns:a16="http://schemas.microsoft.com/office/drawing/2014/main" id="{F87BD98E-94C4-91B1-5A10-C308362C1A05}"/>
+              </a:ext>
+            </a:extLst>
+          </p:cNvPr>
+          <p:cNvSpPr txBox="1"/>
+          <p:nvPr/>
+        </p:nvSpPr>
+        <p:spPr>
+          <a:xfrm>
+            <a:off x="9334994" y="2773334"/>
+            <a:ext cx="2623458" cy="1200329"/>
+          </a:xfrm>
+          <a:prstGeom prst="rect">
+            <a:avLst/>
+          </a:prstGeom>
+          <a:noFill/>
+        </p:spPr>
+        <p:txBody>
+          <a:bodyPr wrap="square" rtlCol="0">
+            <a:spAutoFit/>
+          </a:bodyPr>
+          <a:lstStyle/>
+          <a:p>
+            <a:r>
+              <a:rPr lang="en-GB" dirty="0"/>
+              <a:t>This will set the td column for a given mode for </a:t>
+            </a:r>
+            <a:r>
+              <a:rPr lang="en-GB" b="1" dirty="0"/>
+              <a:t>all trip distances and every year</a:t>
+            </a:r>
+            <a:endParaRPr lang="en-GB" dirty="0"/>
+          </a:p>
+        </p:txBody>
+      </p:sp>
+    </p:spTree>
+    <p:extLst>
+      <p:ext uri="{BB962C8B-B14F-4D97-AF65-F5344CB8AC3E}">
+        <p14:creationId xmlns:p14="http://schemas.microsoft.com/office/powerpoint/2010/main" val="2151469654"/>
+      </p:ext>
+    </p:extLst>
+  </p:cSld>
+  <p:clrMapOvr>
+    <a:masterClrMapping/>
+  </p:clrMapOvr>
+</p:sld>
+</file>
+
+<file path=ppt/slides/slide7.xml><?xml version="1.0" encoding="utf-8"?>
+<p:sld xmlns:a="http://schemas.openxmlformats.org/drawingml/2006/main" xmlns:r="http://schemas.openxmlformats.org/officeDocument/2006/relationships" xmlns:p="http://schemas.openxmlformats.org/presentationml/2006/main">
+  <p:cSld>
+    <p:spTree>
+      <p:nvGrpSpPr>
+        <p:cNvPr id="1" name=""/>
+        <p:cNvGrpSpPr/>
+        <p:nvPr/>
+      </p:nvGrpSpPr>
+      <p:grpSpPr>
+        <a:xfrm>
+          <a:off x="0" y="0"/>
+          <a:ext cx="0" cy="0"/>
+          <a:chOff x="0" y="0"/>
+          <a:chExt cx="0" cy="0"/>
+        </a:xfrm>
+      </p:grpSpPr>
+      <p:sp>
+        <p:nvSpPr>
+          <p:cNvPr id="2" name="Title 1">
+            <a:extLst>
+              <a:ext uri="{FF2B5EF4-FFF2-40B4-BE49-F238E27FC236}">
+                <a16:creationId xmlns:a16="http://schemas.microsoft.com/office/drawing/2014/main" id="{BE8E0F54-384F-950C-1A44-2D1AF3CE8301}"/>
+              </a:ext>
+            </a:extLst>
+          </p:cNvPr>
+          <p:cNvSpPr>
+            <a:spLocks noGrp="1"/>
+          </p:cNvSpPr>
+          <p:nvPr>
+            <p:ph type="title"/>
+          </p:nvPr>
+        </p:nvSpPr>
+        <p:spPr/>
+        <p:txBody>
+          <a:bodyPr/>
+          <a:lstStyle/>
+          <a:p>
+            <a:endParaRPr lang="en-GB"/>
+          </a:p>
+        </p:txBody>
+      </p:sp>
+      <p:sp>
+        <p:nvSpPr>
+          <p:cNvPr id="3" name="Content Placeholder 2">
+            <a:extLst>
+              <a:ext uri="{FF2B5EF4-FFF2-40B4-BE49-F238E27FC236}">
+                <a16:creationId xmlns:a16="http://schemas.microsoft.com/office/drawing/2014/main" id="{EB4617A7-7D1B-03F4-381B-182147B4F7EF}"/>
+              </a:ext>
+            </a:extLst>
+          </p:cNvPr>
+          <p:cNvSpPr>
+            <a:spLocks noGrp="1"/>
+          </p:cNvSpPr>
+          <p:nvPr>
+            <p:ph idx="1"/>
+          </p:nvPr>
+        </p:nvSpPr>
+        <p:spPr/>
+        <p:txBody>
+          <a:bodyPr/>
+          <a:lstStyle/>
+          <a:p>
+            <a:pPr marL="0" indent="0">
+              <a:buNone/>
+            </a:pPr>
+            <a:r>
+              <a:rPr lang="en-GB" dirty="0"/>
+              <a:t>2. Enter travel demand data in </a:t>
+            </a:r>
+            <a:r>
+              <a:rPr lang="en-GB" dirty="0" err="1"/>
+              <a:t>travel_demand</a:t>
+            </a:r>
+            <a:r>
+              <a:rPr lang="en-GB" dirty="0"/>
+              <a:t> sheet based on processed WB travel survey results for the *base year* only </a:t>
+            </a:r>
+          </a:p>
+        </p:txBody>
+      </p:sp>
+      <p:pic>
+        <p:nvPicPr>
+          <p:cNvPr id="5" name="Picture 4">
+            <a:extLst>
+              <a:ext uri="{FF2B5EF4-FFF2-40B4-BE49-F238E27FC236}">
+                <a16:creationId xmlns:a16="http://schemas.microsoft.com/office/drawing/2014/main" id="{5CD88857-BE32-3601-B726-CA58F7432A12}"/>
+              </a:ext>
+            </a:extLst>
+          </p:cNvPr>
+          <p:cNvPicPr>
+            <a:picLocks noChangeAspect="1"/>
+          </p:cNvPicPr>
+          <p:nvPr/>
+        </p:nvPicPr>
+        <p:blipFill>
+          <a:blip r:embed="rId2"/>
+          <a:stretch>
+            <a:fillRect/>
+          </a:stretch>
+        </p:blipFill>
+        <p:spPr>
+          <a:xfrm>
+            <a:off x="576184" y="2657450"/>
+            <a:ext cx="10777616" cy="3519513"/>
+          </a:xfrm>
+          <a:prstGeom prst="rect">
+            <a:avLst/>
+          </a:prstGeom>
+        </p:spPr>
+      </p:pic>
+    </p:spTree>
+    <p:extLst>
+      <p:ext uri="{BB962C8B-B14F-4D97-AF65-F5344CB8AC3E}">
+        <p14:creationId xmlns:p14="http://schemas.microsoft.com/office/powerpoint/2010/main" val="457131155"/>
+      </p:ext>
+    </p:extLst>
+  </p:cSld>
+  <p:clrMapOvr>
+    <a:masterClrMapping/>
+  </p:clrMapOvr>
+</p:sld>
+</file>
+
+<file path=ppt/slides/slide8.xml><?xml version="1.0" encoding="utf-8"?>
+<p:sld xmlns:a="http://schemas.openxmlformats.org/drawingml/2006/main" xmlns:r="http://schemas.openxmlformats.org/officeDocument/2006/relationships" xmlns:p="http://schemas.openxmlformats.org/presentationml/2006/main">
+  <p:cSld>
+    <p:spTree>
+      <p:nvGrpSpPr>
+        <p:cNvPr id="1" name=""/>
+        <p:cNvGrpSpPr/>
+        <p:nvPr/>
+      </p:nvGrpSpPr>
+      <p:grpSpPr>
+        <a:xfrm>
+          <a:off x="0" y="0"/>
+          <a:ext cx="0" cy="0"/>
+          <a:chOff x="0" y="0"/>
+          <a:chExt cx="0" cy="0"/>
+        </a:xfrm>
+      </p:grpSpPr>
+      <p:sp>
+        <p:nvSpPr>
+          <p:cNvPr id="2" name="Title 1">
+            <a:extLst>
+              <a:ext uri="{FF2B5EF4-FFF2-40B4-BE49-F238E27FC236}">
+                <a16:creationId xmlns:a16="http://schemas.microsoft.com/office/drawing/2014/main" id="{A3AAED1F-1848-2999-D527-372371254CF3}"/>
+              </a:ext>
+            </a:extLst>
+          </p:cNvPr>
+          <p:cNvSpPr>
+            <a:spLocks noGrp="1"/>
+          </p:cNvSpPr>
+          <p:nvPr>
+            <p:ph type="title"/>
+          </p:nvPr>
+        </p:nvSpPr>
+        <p:spPr/>
+        <p:txBody>
+          <a:bodyPr/>
+          <a:lstStyle/>
+          <a:p>
+            <a:endParaRPr lang="en-GB"/>
+          </a:p>
+        </p:txBody>
+      </p:sp>
+      <p:sp>
+        <p:nvSpPr>
+          <p:cNvPr id="3" name="Content Placeholder 2">
+            <a:extLst>
+              <a:ext uri="{FF2B5EF4-FFF2-40B4-BE49-F238E27FC236}">
+                <a16:creationId xmlns:a16="http://schemas.microsoft.com/office/drawing/2014/main" id="{7CA2F935-7F65-FCE7-D232-D952359A360F}"/>
+              </a:ext>
+            </a:extLst>
+          </p:cNvPr>
+          <p:cNvSpPr>
+            <a:spLocks noGrp="1"/>
+          </p:cNvSpPr>
+          <p:nvPr>
+            <p:ph idx="1"/>
+          </p:nvPr>
+        </p:nvSpPr>
+        <p:spPr/>
+        <p:txBody>
+          <a:bodyPr/>
+          <a:lstStyle/>
+          <a:p>
+            <a:r>
+              <a:rPr lang="en-GB" dirty="0"/>
+              <a:t>3. Enter </a:t>
+            </a:r>
+            <a:r>
+              <a:rPr lang="en-GB" dirty="0" err="1"/>
+              <a:t>pkm</a:t>
+            </a:r>
+            <a:r>
+              <a:rPr lang="en-GB" dirty="0"/>
+              <a:t> and </a:t>
+            </a:r>
+            <a:r>
+              <a:rPr lang="en-GB" dirty="0" err="1"/>
+              <a:t>tkm</a:t>
+            </a:r>
+            <a:r>
+              <a:rPr lang="en-GB" dirty="0"/>
+              <a:t> in the parameters sheet for the base year, base d on the OVERALL splits in ITDP report/GIZ data/SDK</a:t>
+            </a:r>
+          </a:p>
+        </p:txBody>
+      </p:sp>
+      <p:pic>
+        <p:nvPicPr>
+          <p:cNvPr id="5" name="Picture 4">
+            <a:extLst>
+              <a:ext uri="{FF2B5EF4-FFF2-40B4-BE49-F238E27FC236}">
+                <a16:creationId xmlns:a16="http://schemas.microsoft.com/office/drawing/2014/main" id="{7471B4BD-9CF2-5636-0E90-3B37C030BBB6}"/>
+              </a:ext>
+            </a:extLst>
+          </p:cNvPr>
+          <p:cNvPicPr>
+            <a:picLocks noChangeAspect="1"/>
+          </p:cNvPicPr>
+          <p:nvPr/>
+        </p:nvPicPr>
+        <p:blipFill>
+          <a:blip r:embed="rId2"/>
+          <a:stretch>
+            <a:fillRect/>
+          </a:stretch>
+        </p:blipFill>
+        <p:spPr>
+          <a:xfrm>
+            <a:off x="1698171" y="2834574"/>
+            <a:ext cx="8609001" cy="3940089"/>
+          </a:xfrm>
+          <a:prstGeom prst="rect">
+            <a:avLst/>
+          </a:prstGeom>
+        </p:spPr>
+      </p:pic>
+    </p:spTree>
+    <p:extLst>
+      <p:ext uri="{BB962C8B-B14F-4D97-AF65-F5344CB8AC3E}">
+        <p14:creationId xmlns:p14="http://schemas.microsoft.com/office/powerpoint/2010/main" val="61161184"/>
+      </p:ext>
+    </p:extLst>
+  </p:cSld>
+  <p:clrMapOvr>
+    <a:masterClrMapping/>
+  </p:clrMapOvr>
+</p:sld>
+</file>
+
+<file path=ppt/slides/slide9.xml><?xml version="1.0" encoding="utf-8"?>
+<p:sld xmlns:a="http://schemas.openxmlformats.org/drawingml/2006/main" xmlns:r="http://schemas.openxmlformats.org/officeDocument/2006/relationships" xmlns:p="http://schemas.openxmlformats.org/presentationml/2006/main">
+  <p:cSld>
+    <p:spTree>
+      <p:nvGrpSpPr>
+        <p:cNvPr id="1" name=""/>
+        <p:cNvGrpSpPr/>
+        <p:nvPr/>
+      </p:nvGrpSpPr>
+      <p:grpSpPr>
+        <a:xfrm>
+          <a:off x="0" y="0"/>
+          <a:ext cx="0" cy="0"/>
+          <a:chOff x="0" y="0"/>
+          <a:chExt cx="0" cy="0"/>
+        </a:xfrm>
+      </p:grpSpPr>
+      <p:sp>
+        <p:nvSpPr>
+          <p:cNvPr id="2" name="Title 1">
+            <a:extLst>
+              <a:ext uri="{FF2B5EF4-FFF2-40B4-BE49-F238E27FC236}">
+                <a16:creationId xmlns:a16="http://schemas.microsoft.com/office/drawing/2014/main" id="{0EB125D5-684F-A6CD-1A16-49FF8072D179}"/>
+              </a:ext>
+            </a:extLst>
+          </p:cNvPr>
+          <p:cNvSpPr>
+            <a:spLocks noGrp="1"/>
+          </p:cNvSpPr>
+          <p:nvPr>
+            <p:ph type="title"/>
+          </p:nvPr>
+        </p:nvSpPr>
+        <p:spPr/>
+        <p:txBody>
+          <a:bodyPr/>
+          <a:lstStyle/>
+          <a:p>
+            <a:endParaRPr lang="en-GB" dirty="0"/>
+          </a:p>
+        </p:txBody>
+      </p:sp>
+      <p:pic>
+        <p:nvPicPr>
+          <p:cNvPr id="5" name="Content Placeholder 4">
+            <a:extLst>
+              <a:ext uri="{FF2B5EF4-FFF2-40B4-BE49-F238E27FC236}">
+                <a16:creationId xmlns:a16="http://schemas.microsoft.com/office/drawing/2014/main" id="{6E838FC5-5F15-9A3A-6C16-98B1F3E87BE1}"/>
+              </a:ext>
+            </a:extLst>
+          </p:cNvPr>
+          <p:cNvPicPr>
+            <a:picLocks noGrp="1" noChangeAspect="1"/>
+          </p:cNvPicPr>
+          <p:nvPr>
+            <p:ph idx="1"/>
+          </p:nvPr>
+        </p:nvPicPr>
+        <p:blipFill>
+          <a:blip r:embed="rId2"/>
+          <a:stretch>
+            <a:fillRect/>
+          </a:stretch>
+        </p:blipFill>
+        <p:spPr>
+          <a:xfrm>
+            <a:off x="5919088" y="2051256"/>
+            <a:ext cx="5840223" cy="4351338"/>
+          </a:xfrm>
+        </p:spPr>
+      </p:pic>
+      <p:sp>
+        <p:nvSpPr>
+          <p:cNvPr id="6" name="TextBox 5">
+            <a:extLst>
+              <a:ext uri="{FF2B5EF4-FFF2-40B4-BE49-F238E27FC236}">
+                <a16:creationId xmlns:a16="http://schemas.microsoft.com/office/drawing/2014/main" id="{A24F074B-FC23-DBDB-153E-A7F38CDA66B5}"/>
+              </a:ext>
+            </a:extLst>
+          </p:cNvPr>
+          <p:cNvSpPr txBox="1"/>
+          <p:nvPr/>
+        </p:nvSpPr>
+        <p:spPr>
+          <a:xfrm>
+            <a:off x="653141" y="1799112"/>
+            <a:ext cx="4857009" cy="1477328"/>
+          </a:xfrm>
+          <a:prstGeom prst="rect">
+            <a:avLst/>
+          </a:prstGeom>
+          <a:noFill/>
+        </p:spPr>
+        <p:txBody>
+          <a:bodyPr wrap="square" rtlCol="0">
+            <a:spAutoFit/>
+          </a:bodyPr>
+          <a:lstStyle/>
+          <a:p>
+            <a:pPr marL="342900" indent="-342900">
+              <a:buAutoNum type="arabicPeriod"/>
+            </a:pPr>
+            <a:r>
+              <a:rPr lang="en-GB" dirty="0"/>
+              <a:t>The </a:t>
+            </a:r>
+            <a:r>
+              <a:rPr lang="en-GB" dirty="0" err="1"/>
+              <a:t>pkms</a:t>
+            </a:r>
+            <a:r>
+              <a:rPr lang="en-GB" dirty="0"/>
+              <a:t> and </a:t>
+            </a:r>
+            <a:r>
+              <a:rPr lang="en-GB" dirty="0" err="1"/>
+              <a:t>tkms</a:t>
+            </a:r>
+            <a:r>
+              <a:rPr lang="en-GB" dirty="0"/>
+              <a:t> are NOT well aligned across the different data inputs – we can fix this relatively easily</a:t>
+            </a:r>
+          </a:p>
+          <a:p>
+            <a:pPr marL="342900" indent="-342900">
+              <a:buAutoNum type="arabicPeriod"/>
+            </a:pPr>
+            <a:r>
+              <a:rPr lang="en-GB" dirty="0"/>
+              <a:t>The </a:t>
+            </a:r>
+            <a:r>
+              <a:rPr lang="en-GB" dirty="0" err="1"/>
+              <a:t>pkm</a:t>
+            </a:r>
+            <a:r>
+              <a:rPr lang="en-GB" dirty="0"/>
+              <a:t> is still, however, not being driven by the drivers. Wait for CB’s response on this.</a:t>
+            </a:r>
+          </a:p>
+        </p:txBody>
+      </p:sp>
+    </p:spTree>
+    <p:extLst>
+      <p:ext uri="{BB962C8B-B14F-4D97-AF65-F5344CB8AC3E}">
+        <p14:creationId xmlns:p14="http://schemas.microsoft.com/office/powerpoint/2010/main" val="2238414190"/>
       </p:ext>
     </p:extLst>
   </p:cSld>

--- a/TEAM-Kenya_diary.pptx
+++ b/TEAM-Kenya_diary.pptx
@@ -5,7 +5,7 @@
     <p:sldMasterId id="2147483648" r:id="rId1"/>
   </p:sldMasterIdLst>
   <p:notesMasterIdLst>
-    <p:notesMasterId r:id="rId25"/>
+    <p:notesMasterId r:id="rId28"/>
   </p:notesMasterIdLst>
   <p:sldIdLst>
     <p:sldId id="256" r:id="rId2"/>
@@ -31,6 +31,9 @@
     <p:sldId id="277" r:id="rId22"/>
     <p:sldId id="278" r:id="rId23"/>
     <p:sldId id="279" r:id="rId24"/>
+    <p:sldId id="280" r:id="rId25"/>
+    <p:sldId id="281" r:id="rId26"/>
+    <p:sldId id="282" r:id="rId27"/>
   </p:sldIdLst>
   <p:sldSz cx="12192000" cy="6858000"/>
   <p:notesSz cx="6858000" cy="9144000"/>
@@ -6392,6 +6395,357 @@
     <p:extLst>
       <p:ext uri="{BB962C8B-B14F-4D97-AF65-F5344CB8AC3E}">
         <p14:creationId xmlns:p14="http://schemas.microsoft.com/office/powerpoint/2010/main" val="2606294739"/>
+      </p:ext>
+    </p:extLst>
+  </p:cSld>
+  <p:clrMapOvr>
+    <a:masterClrMapping/>
+  </p:clrMapOvr>
+</p:sld>
+</file>
+
+<file path=ppt/slides/slide24.xml><?xml version="1.0" encoding="utf-8"?>
+<p:sld xmlns:a="http://schemas.openxmlformats.org/drawingml/2006/main" xmlns:r="http://schemas.openxmlformats.org/officeDocument/2006/relationships" xmlns:p="http://schemas.openxmlformats.org/presentationml/2006/main">
+  <p:cSld>
+    <p:spTree>
+      <p:nvGrpSpPr>
+        <p:cNvPr id="1" name=""/>
+        <p:cNvGrpSpPr/>
+        <p:nvPr/>
+      </p:nvGrpSpPr>
+      <p:grpSpPr>
+        <a:xfrm>
+          <a:off x="0" y="0"/>
+          <a:ext cx="0" cy="0"/>
+          <a:chOff x="0" y="0"/>
+          <a:chExt cx="0" cy="0"/>
+        </a:xfrm>
+      </p:grpSpPr>
+      <p:sp>
+        <p:nvSpPr>
+          <p:cNvPr id="2" name="Title 1">
+            <a:extLst>
+              <a:ext uri="{FF2B5EF4-FFF2-40B4-BE49-F238E27FC236}">
+                <a16:creationId xmlns:a16="http://schemas.microsoft.com/office/drawing/2014/main" id="{6E1F920D-3AE1-E4FC-E98C-FB1D4BA18EAB}"/>
+              </a:ext>
+            </a:extLst>
+          </p:cNvPr>
+          <p:cNvSpPr>
+            <a:spLocks noGrp="1"/>
+          </p:cNvSpPr>
+          <p:nvPr>
+            <p:ph type="title"/>
+          </p:nvPr>
+        </p:nvSpPr>
+        <p:spPr/>
+        <p:txBody>
+          <a:bodyPr/>
+          <a:lstStyle/>
+          <a:p>
+            <a:r>
+              <a:rPr lang="en-GB" dirty="0"/>
+              <a:t>Tech subsidy</a:t>
+            </a:r>
+          </a:p>
+        </p:txBody>
+      </p:sp>
+      <p:sp>
+        <p:nvSpPr>
+          <p:cNvPr id="3" name="Content Placeholder 2">
+            <a:extLst>
+              <a:ext uri="{FF2B5EF4-FFF2-40B4-BE49-F238E27FC236}">
+                <a16:creationId xmlns:a16="http://schemas.microsoft.com/office/drawing/2014/main" id="{51E12E4C-8ECB-1A20-1219-3459C4B0710A}"/>
+              </a:ext>
+            </a:extLst>
+          </p:cNvPr>
+          <p:cNvSpPr>
+            <a:spLocks noGrp="1"/>
+          </p:cNvSpPr>
+          <p:nvPr>
+            <p:ph idx="1"/>
+          </p:nvPr>
+        </p:nvSpPr>
+        <p:spPr/>
+        <p:txBody>
+          <a:bodyPr/>
+          <a:lstStyle/>
+          <a:p>
+            <a:r>
+              <a:rPr lang="en-GB" dirty="0"/>
+              <a:t>Add a year dimension to this! Makes no sense otherwise…</a:t>
+            </a:r>
+          </a:p>
+        </p:txBody>
+      </p:sp>
+    </p:spTree>
+    <p:extLst>
+      <p:ext uri="{BB962C8B-B14F-4D97-AF65-F5344CB8AC3E}">
+        <p14:creationId xmlns:p14="http://schemas.microsoft.com/office/powerpoint/2010/main" val="1943672818"/>
+      </p:ext>
+    </p:extLst>
+  </p:cSld>
+  <p:clrMapOvr>
+    <a:masterClrMapping/>
+  </p:clrMapOvr>
+</p:sld>
+</file>
+
+<file path=ppt/slides/slide25.xml><?xml version="1.0" encoding="utf-8"?>
+<p:sld xmlns:a="http://schemas.openxmlformats.org/drawingml/2006/main" xmlns:r="http://schemas.openxmlformats.org/officeDocument/2006/relationships" xmlns:p="http://schemas.openxmlformats.org/presentationml/2006/main">
+  <p:cSld>
+    <p:spTree>
+      <p:nvGrpSpPr>
+        <p:cNvPr id="1" name=""/>
+        <p:cNvGrpSpPr/>
+        <p:nvPr/>
+      </p:nvGrpSpPr>
+      <p:grpSpPr>
+        <a:xfrm>
+          <a:off x="0" y="0"/>
+          <a:ext cx="0" cy="0"/>
+          <a:chOff x="0" y="0"/>
+          <a:chExt cx="0" cy="0"/>
+        </a:xfrm>
+      </p:grpSpPr>
+      <p:sp>
+        <p:nvSpPr>
+          <p:cNvPr id="2" name="Title 1">
+            <a:extLst>
+              <a:ext uri="{FF2B5EF4-FFF2-40B4-BE49-F238E27FC236}">
+                <a16:creationId xmlns:a16="http://schemas.microsoft.com/office/drawing/2014/main" id="{9CF5DAD7-FE0D-3719-3DBE-C22AE69603A9}"/>
+              </a:ext>
+            </a:extLst>
+          </p:cNvPr>
+          <p:cNvSpPr>
+            <a:spLocks noGrp="1"/>
+          </p:cNvSpPr>
+          <p:nvPr>
+            <p:ph type="title"/>
+          </p:nvPr>
+        </p:nvSpPr>
+        <p:spPr/>
+        <p:txBody>
+          <a:bodyPr/>
+          <a:lstStyle/>
+          <a:p>
+            <a:endParaRPr lang="en-GB"/>
+          </a:p>
+        </p:txBody>
+      </p:sp>
+      <p:pic>
+        <p:nvPicPr>
+          <p:cNvPr id="5" name="Picture 4">
+            <a:extLst>
+              <a:ext uri="{FF2B5EF4-FFF2-40B4-BE49-F238E27FC236}">
+                <a16:creationId xmlns:a16="http://schemas.microsoft.com/office/drawing/2014/main" id="{AEBE0BD5-291F-720E-99A3-0D0F7686538F}"/>
+              </a:ext>
+            </a:extLst>
+          </p:cNvPr>
+          <p:cNvPicPr>
+            <a:picLocks noChangeAspect="1"/>
+          </p:cNvPicPr>
+          <p:nvPr/>
+        </p:nvPicPr>
+        <p:blipFill>
+          <a:blip r:embed="rId2"/>
+          <a:stretch>
+            <a:fillRect/>
+          </a:stretch>
+        </p:blipFill>
+        <p:spPr>
+          <a:xfrm>
+            <a:off x="262008" y="2471829"/>
+            <a:ext cx="5580652" cy="3379709"/>
+          </a:xfrm>
+          <a:prstGeom prst="rect">
+            <a:avLst/>
+          </a:prstGeom>
+        </p:spPr>
+      </p:pic>
+      <p:sp>
+        <p:nvSpPr>
+          <p:cNvPr id="7" name="TextBox 6">
+            <a:extLst>
+              <a:ext uri="{FF2B5EF4-FFF2-40B4-BE49-F238E27FC236}">
+                <a16:creationId xmlns:a16="http://schemas.microsoft.com/office/drawing/2014/main" id="{F5EB5582-2741-91A4-807D-E3EF607290E4}"/>
+              </a:ext>
+            </a:extLst>
+          </p:cNvPr>
+          <p:cNvSpPr txBox="1"/>
+          <p:nvPr/>
+        </p:nvSpPr>
+        <p:spPr>
+          <a:xfrm>
+            <a:off x="1021276" y="2014629"/>
+            <a:ext cx="3408219" cy="369332"/>
+          </a:xfrm>
+          <a:prstGeom prst="rect">
+            <a:avLst/>
+          </a:prstGeom>
+          <a:noFill/>
+        </p:spPr>
+        <p:txBody>
+          <a:bodyPr wrap="square" rtlCol="0">
+            <a:spAutoFit/>
+          </a:bodyPr>
+          <a:lstStyle/>
+          <a:p>
+            <a:r>
+              <a:rPr lang="en-GB" dirty="0"/>
+              <a:t>OMOKA</a:t>
+            </a:r>
+          </a:p>
+        </p:txBody>
+      </p:sp>
+      <p:pic>
+        <p:nvPicPr>
+          <p:cNvPr id="9" name="Picture 8">
+            <a:extLst>
+              <a:ext uri="{FF2B5EF4-FFF2-40B4-BE49-F238E27FC236}">
+                <a16:creationId xmlns:a16="http://schemas.microsoft.com/office/drawing/2014/main" id="{0F424738-DC7D-30FB-F8E3-4BBD42630968}"/>
+              </a:ext>
+            </a:extLst>
+          </p:cNvPr>
+          <p:cNvPicPr>
+            <a:picLocks noChangeAspect="1"/>
+          </p:cNvPicPr>
+          <p:nvPr/>
+        </p:nvPicPr>
+        <p:blipFill>
+          <a:blip r:embed="rId3"/>
+          <a:stretch>
+            <a:fillRect/>
+          </a:stretch>
+        </p:blipFill>
+        <p:spPr>
+          <a:xfrm>
+            <a:off x="5700665" y="2723397"/>
+            <a:ext cx="6491335" cy="2876571"/>
+          </a:xfrm>
+          <a:prstGeom prst="rect">
+            <a:avLst/>
+          </a:prstGeom>
+        </p:spPr>
+      </p:pic>
+      <p:sp>
+        <p:nvSpPr>
+          <p:cNvPr id="10" name="TextBox 9">
+            <a:extLst>
+              <a:ext uri="{FF2B5EF4-FFF2-40B4-BE49-F238E27FC236}">
+                <a16:creationId xmlns:a16="http://schemas.microsoft.com/office/drawing/2014/main" id="{BC9CE850-69EC-82A1-63CE-E435E75DE8E7}"/>
+              </a:ext>
+            </a:extLst>
+          </p:cNvPr>
+          <p:cNvSpPr txBox="1"/>
+          <p:nvPr/>
+        </p:nvSpPr>
+        <p:spPr>
+          <a:xfrm>
+            <a:off x="7945581" y="2333307"/>
+            <a:ext cx="3408219" cy="369332"/>
+          </a:xfrm>
+          <a:prstGeom prst="rect">
+            <a:avLst/>
+          </a:prstGeom>
+          <a:noFill/>
+        </p:spPr>
+        <p:txBody>
+          <a:bodyPr wrap="square" rtlCol="0">
+            <a:spAutoFit/>
+          </a:bodyPr>
+          <a:lstStyle/>
+          <a:p>
+            <a:r>
+              <a:rPr lang="en-GB" dirty="0"/>
+              <a:t>STREETFIGHTING</a:t>
+            </a:r>
+          </a:p>
+        </p:txBody>
+      </p:sp>
+    </p:spTree>
+    <p:extLst>
+      <p:ext uri="{BB962C8B-B14F-4D97-AF65-F5344CB8AC3E}">
+        <p14:creationId xmlns:p14="http://schemas.microsoft.com/office/powerpoint/2010/main" val="2589518139"/>
+      </p:ext>
+    </p:extLst>
+  </p:cSld>
+  <p:clrMapOvr>
+    <a:masterClrMapping/>
+  </p:clrMapOvr>
+</p:sld>
+</file>
+
+<file path=ppt/slides/slide26.xml><?xml version="1.0" encoding="utf-8"?>
+<p:sld xmlns:a="http://schemas.openxmlformats.org/drawingml/2006/main" xmlns:r="http://schemas.openxmlformats.org/officeDocument/2006/relationships" xmlns:p="http://schemas.openxmlformats.org/presentationml/2006/main">
+  <p:cSld>
+    <p:spTree>
+      <p:nvGrpSpPr>
+        <p:cNvPr id="1" name=""/>
+        <p:cNvGrpSpPr/>
+        <p:nvPr/>
+      </p:nvGrpSpPr>
+      <p:grpSpPr>
+        <a:xfrm>
+          <a:off x="0" y="0"/>
+          <a:ext cx="0" cy="0"/>
+          <a:chOff x="0" y="0"/>
+          <a:chExt cx="0" cy="0"/>
+        </a:xfrm>
+      </p:grpSpPr>
+      <p:sp>
+        <p:nvSpPr>
+          <p:cNvPr id="2" name="Title 1">
+            <a:extLst>
+              <a:ext uri="{FF2B5EF4-FFF2-40B4-BE49-F238E27FC236}">
+                <a16:creationId xmlns:a16="http://schemas.microsoft.com/office/drawing/2014/main" id="{00FEADCD-093E-B7BD-B5AF-92674DDBEAA8}"/>
+              </a:ext>
+            </a:extLst>
+          </p:cNvPr>
+          <p:cNvSpPr>
+            <a:spLocks noGrp="1"/>
+          </p:cNvSpPr>
+          <p:nvPr>
+            <p:ph type="title"/>
+          </p:nvPr>
+        </p:nvSpPr>
+        <p:spPr/>
+        <p:txBody>
+          <a:bodyPr/>
+          <a:lstStyle/>
+          <a:p>
+            <a:endParaRPr lang="en-GB"/>
+          </a:p>
+        </p:txBody>
+      </p:sp>
+      <p:sp>
+        <p:nvSpPr>
+          <p:cNvPr id="3" name="Content Placeholder 2">
+            <a:extLst>
+              <a:ext uri="{FF2B5EF4-FFF2-40B4-BE49-F238E27FC236}">
+                <a16:creationId xmlns:a16="http://schemas.microsoft.com/office/drawing/2014/main" id="{4908EF7A-D7C8-1837-B1E1-909641FD2387}"/>
+              </a:ext>
+            </a:extLst>
+          </p:cNvPr>
+          <p:cNvSpPr>
+            <a:spLocks noGrp="1"/>
+          </p:cNvSpPr>
+          <p:nvPr>
+            <p:ph idx="1"/>
+          </p:nvPr>
+        </p:nvSpPr>
+        <p:spPr/>
+        <p:txBody>
+          <a:bodyPr/>
+          <a:lstStyle/>
+          <a:p>
+            <a:endParaRPr lang="en-GB"/>
+          </a:p>
+        </p:txBody>
+      </p:sp>
+    </p:spTree>
+    <p:extLst>
+      <p:ext uri="{BB962C8B-B14F-4D97-AF65-F5344CB8AC3E}">
+        <p14:creationId xmlns:p14="http://schemas.microsoft.com/office/powerpoint/2010/main" val="3988970422"/>
       </p:ext>
     </p:extLst>
   </p:cSld>

--- a/TEAM-Kenya_diary.pptx
+++ b/TEAM-Kenya_diary.pptx
@@ -5,7 +5,7 @@
     <p:sldMasterId id="2147483648" r:id="rId1"/>
   </p:sldMasterIdLst>
   <p:notesMasterIdLst>
-    <p:notesMasterId r:id="rId28"/>
+    <p:notesMasterId r:id="rId29"/>
   </p:notesMasterIdLst>
   <p:sldIdLst>
     <p:sldId id="256" r:id="rId2"/>
@@ -34,6 +34,7 @@
     <p:sldId id="280" r:id="rId25"/>
     <p:sldId id="281" r:id="rId26"/>
     <p:sldId id="282" r:id="rId27"/>
+    <p:sldId id="283" r:id="rId28"/>
   </p:sldIdLst>
   <p:sldSz cx="12192000" cy="6858000"/>
   <p:notesSz cx="6858000" cy="9144000"/>
@@ -448,7 +449,7 @@
           <a:p>
             <a:fld id="{04F52970-D95F-4388-9FAB-DA6AA324123E}" type="datetimeFigureOut">
               <a:rPr lang="en-GB" smtClean="0"/>
-              <a:t>14/08/2023</a:t>
+              <a:t>15/08/2023</a:t>
             </a:fld>
             <a:endParaRPr lang="en-GB"/>
           </a:p>
@@ -949,7 +950,7 @@
           <a:p>
             <a:fld id="{C3F934BF-0C8D-4037-B441-EB39C2AE3EEE}" type="datetimeFigureOut">
               <a:rPr lang="en-GB" smtClean="0"/>
-              <a:t>14/08/2023</a:t>
+              <a:t>15/08/2023</a:t>
             </a:fld>
             <a:endParaRPr lang="en-GB"/>
           </a:p>
@@ -1149,7 +1150,7 @@
           <a:p>
             <a:fld id="{C3F934BF-0C8D-4037-B441-EB39C2AE3EEE}" type="datetimeFigureOut">
               <a:rPr lang="en-GB" smtClean="0"/>
-              <a:t>14/08/2023</a:t>
+              <a:t>15/08/2023</a:t>
             </a:fld>
             <a:endParaRPr lang="en-GB"/>
           </a:p>
@@ -1359,7 +1360,7 @@
           <a:p>
             <a:fld id="{C3F934BF-0C8D-4037-B441-EB39C2AE3EEE}" type="datetimeFigureOut">
               <a:rPr lang="en-GB" smtClean="0"/>
-              <a:t>14/08/2023</a:t>
+              <a:t>15/08/2023</a:t>
             </a:fld>
             <a:endParaRPr lang="en-GB"/>
           </a:p>
@@ -1559,7 +1560,7 @@
           <a:p>
             <a:fld id="{C3F934BF-0C8D-4037-B441-EB39C2AE3EEE}" type="datetimeFigureOut">
               <a:rPr lang="en-GB" smtClean="0"/>
-              <a:t>14/08/2023</a:t>
+              <a:t>15/08/2023</a:t>
             </a:fld>
             <a:endParaRPr lang="en-GB"/>
           </a:p>
@@ -1835,7 +1836,7 @@
           <a:p>
             <a:fld id="{C3F934BF-0C8D-4037-B441-EB39C2AE3EEE}" type="datetimeFigureOut">
               <a:rPr lang="en-GB" smtClean="0"/>
-              <a:t>14/08/2023</a:t>
+              <a:t>15/08/2023</a:t>
             </a:fld>
             <a:endParaRPr lang="en-GB"/>
           </a:p>
@@ -2103,7 +2104,7 @@
           <a:p>
             <a:fld id="{C3F934BF-0C8D-4037-B441-EB39C2AE3EEE}" type="datetimeFigureOut">
               <a:rPr lang="en-GB" smtClean="0"/>
-              <a:t>14/08/2023</a:t>
+              <a:t>15/08/2023</a:t>
             </a:fld>
             <a:endParaRPr lang="en-GB"/>
           </a:p>
@@ -2518,7 +2519,7 @@
           <a:p>
             <a:fld id="{C3F934BF-0C8D-4037-B441-EB39C2AE3EEE}" type="datetimeFigureOut">
               <a:rPr lang="en-GB" smtClean="0"/>
-              <a:t>14/08/2023</a:t>
+              <a:t>15/08/2023</a:t>
             </a:fld>
             <a:endParaRPr lang="en-GB"/>
           </a:p>
@@ -2660,7 +2661,7 @@
           <a:p>
             <a:fld id="{C3F934BF-0C8D-4037-B441-EB39C2AE3EEE}" type="datetimeFigureOut">
               <a:rPr lang="en-GB" smtClean="0"/>
-              <a:t>14/08/2023</a:t>
+              <a:t>15/08/2023</a:t>
             </a:fld>
             <a:endParaRPr lang="en-GB"/>
           </a:p>
@@ -2773,7 +2774,7 @@
           <a:p>
             <a:fld id="{C3F934BF-0C8D-4037-B441-EB39C2AE3EEE}" type="datetimeFigureOut">
               <a:rPr lang="en-GB" smtClean="0"/>
-              <a:t>14/08/2023</a:t>
+              <a:t>15/08/2023</a:t>
             </a:fld>
             <a:endParaRPr lang="en-GB"/>
           </a:p>
@@ -3086,7 +3087,7 @@
           <a:p>
             <a:fld id="{C3F934BF-0C8D-4037-B441-EB39C2AE3EEE}" type="datetimeFigureOut">
               <a:rPr lang="en-GB" smtClean="0"/>
-              <a:t>14/08/2023</a:t>
+              <a:t>15/08/2023</a:t>
             </a:fld>
             <a:endParaRPr lang="en-GB"/>
           </a:p>
@@ -3375,7 +3376,7 @@
           <a:p>
             <a:fld id="{C3F934BF-0C8D-4037-B441-EB39C2AE3EEE}" type="datetimeFigureOut">
               <a:rPr lang="en-GB" smtClean="0"/>
-              <a:t>14/08/2023</a:t>
+              <a:t>15/08/2023</a:t>
             </a:fld>
             <a:endParaRPr lang="en-GB"/>
           </a:p>
@@ -3618,7 +3619,7 @@
           <a:p>
             <a:fld id="{C3F934BF-0C8D-4037-B441-EB39C2AE3EEE}" type="datetimeFigureOut">
               <a:rPr lang="en-GB" smtClean="0"/>
-              <a:t>14/08/2023</a:t>
+              <a:t>15/08/2023</a:t>
             </a:fld>
             <a:endParaRPr lang="en-GB"/>
           </a:p>
@@ -6742,10 +6743,120 @@
           </a:p>
         </p:txBody>
       </p:sp>
+      <p:pic>
+        <p:nvPicPr>
+          <p:cNvPr id="5" name="Picture 4">
+            <a:extLst>
+              <a:ext uri="{FF2B5EF4-FFF2-40B4-BE49-F238E27FC236}">
+                <a16:creationId xmlns:a16="http://schemas.microsoft.com/office/drawing/2014/main" id="{F48CBB09-C772-2B39-987D-52D4FAF0FDA2}"/>
+              </a:ext>
+            </a:extLst>
+          </p:cNvPr>
+          <p:cNvPicPr>
+            <a:picLocks noChangeAspect="1"/>
+          </p:cNvPicPr>
+          <p:nvPr/>
+        </p:nvPicPr>
+        <p:blipFill>
+          <a:blip r:embed="rId2"/>
+          <a:stretch>
+            <a:fillRect/>
+          </a:stretch>
+        </p:blipFill>
+        <p:spPr>
+          <a:xfrm>
+            <a:off x="0" y="365125"/>
+            <a:ext cx="12192000" cy="4110939"/>
+          </a:xfrm>
+          <a:prstGeom prst="rect">
+            <a:avLst/>
+          </a:prstGeom>
+        </p:spPr>
+      </p:pic>
     </p:spTree>
     <p:extLst>
       <p:ext uri="{BB962C8B-B14F-4D97-AF65-F5344CB8AC3E}">
         <p14:creationId xmlns:p14="http://schemas.microsoft.com/office/powerpoint/2010/main" val="3988970422"/>
+      </p:ext>
+    </p:extLst>
+  </p:cSld>
+  <p:clrMapOvr>
+    <a:masterClrMapping/>
+  </p:clrMapOvr>
+</p:sld>
+</file>
+
+<file path=ppt/slides/slide27.xml><?xml version="1.0" encoding="utf-8"?>
+<p:sld xmlns:a="http://schemas.openxmlformats.org/drawingml/2006/main" xmlns:r="http://schemas.openxmlformats.org/officeDocument/2006/relationships" xmlns:p="http://schemas.openxmlformats.org/presentationml/2006/main">
+  <p:cSld>
+    <p:spTree>
+      <p:nvGrpSpPr>
+        <p:cNvPr id="1" name=""/>
+        <p:cNvGrpSpPr/>
+        <p:nvPr/>
+      </p:nvGrpSpPr>
+      <p:grpSpPr>
+        <a:xfrm>
+          <a:off x="0" y="0"/>
+          <a:ext cx="0" cy="0"/>
+          <a:chOff x="0" y="0"/>
+          <a:chExt cx="0" cy="0"/>
+        </a:xfrm>
+      </p:grpSpPr>
+      <p:sp>
+        <p:nvSpPr>
+          <p:cNvPr id="2" name="Title 1">
+            <a:extLst>
+              <a:ext uri="{FF2B5EF4-FFF2-40B4-BE49-F238E27FC236}">
+                <a16:creationId xmlns:a16="http://schemas.microsoft.com/office/drawing/2014/main" id="{8889C64B-DAD9-B58D-A62B-CEF9C1016101}"/>
+              </a:ext>
+            </a:extLst>
+          </p:cNvPr>
+          <p:cNvSpPr>
+            <a:spLocks noGrp="1"/>
+          </p:cNvSpPr>
+          <p:nvPr>
+            <p:ph type="title"/>
+          </p:nvPr>
+        </p:nvSpPr>
+        <p:spPr/>
+        <p:txBody>
+          <a:bodyPr/>
+          <a:lstStyle/>
+          <a:p>
+            <a:endParaRPr lang="en-GB"/>
+          </a:p>
+        </p:txBody>
+      </p:sp>
+      <p:sp>
+        <p:nvSpPr>
+          <p:cNvPr id="3" name="Content Placeholder 2">
+            <a:extLst>
+              <a:ext uri="{FF2B5EF4-FFF2-40B4-BE49-F238E27FC236}">
+                <a16:creationId xmlns:a16="http://schemas.microsoft.com/office/drawing/2014/main" id="{037CBBE9-4A74-B688-D2BE-E6577B7549D4}"/>
+              </a:ext>
+            </a:extLst>
+          </p:cNvPr>
+          <p:cNvSpPr>
+            <a:spLocks noGrp="1"/>
+          </p:cNvSpPr>
+          <p:nvPr>
+            <p:ph idx="1"/>
+          </p:nvPr>
+        </p:nvSpPr>
+        <p:spPr/>
+        <p:txBody>
+          <a:bodyPr/>
+          <a:lstStyle/>
+          <a:p>
+            <a:endParaRPr lang="en-GB"/>
+          </a:p>
+        </p:txBody>
+      </p:sp>
+    </p:spTree>
+    <p:extLst>
+      <p:ext uri="{BB962C8B-B14F-4D97-AF65-F5344CB8AC3E}">
+        <p14:creationId xmlns:p14="http://schemas.microsoft.com/office/powerpoint/2010/main" val="2207326178"/>
       </p:ext>
     </p:extLst>
   </p:cSld>

--- a/TEAM-Kenya_diary.pptx
+++ b/TEAM-Kenya_diary.pptx
@@ -449,7 +449,7 @@
           <a:p>
             <a:fld id="{04F52970-D95F-4388-9FAB-DA6AA324123E}" type="datetimeFigureOut">
               <a:rPr lang="en-GB" smtClean="0"/>
-              <a:t>15/08/2023</a:t>
+              <a:t>20/10/2023</a:t>
             </a:fld>
             <a:endParaRPr lang="en-GB"/>
           </a:p>
@@ -950,7 +950,7 @@
           <a:p>
             <a:fld id="{C3F934BF-0C8D-4037-B441-EB39C2AE3EEE}" type="datetimeFigureOut">
               <a:rPr lang="en-GB" smtClean="0"/>
-              <a:t>15/08/2023</a:t>
+              <a:t>20/10/2023</a:t>
             </a:fld>
             <a:endParaRPr lang="en-GB"/>
           </a:p>
@@ -1150,7 +1150,7 @@
           <a:p>
             <a:fld id="{C3F934BF-0C8D-4037-B441-EB39C2AE3EEE}" type="datetimeFigureOut">
               <a:rPr lang="en-GB" smtClean="0"/>
-              <a:t>15/08/2023</a:t>
+              <a:t>20/10/2023</a:t>
             </a:fld>
             <a:endParaRPr lang="en-GB"/>
           </a:p>
@@ -1360,7 +1360,7 @@
           <a:p>
             <a:fld id="{C3F934BF-0C8D-4037-B441-EB39C2AE3EEE}" type="datetimeFigureOut">
               <a:rPr lang="en-GB" smtClean="0"/>
-              <a:t>15/08/2023</a:t>
+              <a:t>20/10/2023</a:t>
             </a:fld>
             <a:endParaRPr lang="en-GB"/>
           </a:p>
@@ -1560,7 +1560,7 @@
           <a:p>
             <a:fld id="{C3F934BF-0C8D-4037-B441-EB39C2AE3EEE}" type="datetimeFigureOut">
               <a:rPr lang="en-GB" smtClean="0"/>
-              <a:t>15/08/2023</a:t>
+              <a:t>20/10/2023</a:t>
             </a:fld>
             <a:endParaRPr lang="en-GB"/>
           </a:p>
@@ -1836,7 +1836,7 @@
           <a:p>
             <a:fld id="{C3F934BF-0C8D-4037-B441-EB39C2AE3EEE}" type="datetimeFigureOut">
               <a:rPr lang="en-GB" smtClean="0"/>
-              <a:t>15/08/2023</a:t>
+              <a:t>20/10/2023</a:t>
             </a:fld>
             <a:endParaRPr lang="en-GB"/>
           </a:p>
@@ -2104,7 +2104,7 @@
           <a:p>
             <a:fld id="{C3F934BF-0C8D-4037-B441-EB39C2AE3EEE}" type="datetimeFigureOut">
               <a:rPr lang="en-GB" smtClean="0"/>
-              <a:t>15/08/2023</a:t>
+              <a:t>20/10/2023</a:t>
             </a:fld>
             <a:endParaRPr lang="en-GB"/>
           </a:p>
@@ -2519,7 +2519,7 @@
           <a:p>
             <a:fld id="{C3F934BF-0C8D-4037-B441-EB39C2AE3EEE}" type="datetimeFigureOut">
               <a:rPr lang="en-GB" smtClean="0"/>
-              <a:t>15/08/2023</a:t>
+              <a:t>20/10/2023</a:t>
             </a:fld>
             <a:endParaRPr lang="en-GB"/>
           </a:p>
@@ -2661,7 +2661,7 @@
           <a:p>
             <a:fld id="{C3F934BF-0C8D-4037-B441-EB39C2AE3EEE}" type="datetimeFigureOut">
               <a:rPr lang="en-GB" smtClean="0"/>
-              <a:t>15/08/2023</a:t>
+              <a:t>20/10/2023</a:t>
             </a:fld>
             <a:endParaRPr lang="en-GB"/>
           </a:p>
@@ -2774,7 +2774,7 @@
           <a:p>
             <a:fld id="{C3F934BF-0C8D-4037-B441-EB39C2AE3EEE}" type="datetimeFigureOut">
               <a:rPr lang="en-GB" smtClean="0"/>
-              <a:t>15/08/2023</a:t>
+              <a:t>20/10/2023</a:t>
             </a:fld>
             <a:endParaRPr lang="en-GB"/>
           </a:p>
@@ -3087,7 +3087,7 @@
           <a:p>
             <a:fld id="{C3F934BF-0C8D-4037-B441-EB39C2AE3EEE}" type="datetimeFigureOut">
               <a:rPr lang="en-GB" smtClean="0"/>
-              <a:t>15/08/2023</a:t>
+              <a:t>20/10/2023</a:t>
             </a:fld>
             <a:endParaRPr lang="en-GB"/>
           </a:p>
@@ -3376,7 +3376,7 @@
           <a:p>
             <a:fld id="{C3F934BF-0C8D-4037-B441-EB39C2AE3EEE}" type="datetimeFigureOut">
               <a:rPr lang="en-GB" smtClean="0"/>
-              <a:t>15/08/2023</a:t>
+              <a:t>20/10/2023</a:t>
             </a:fld>
             <a:endParaRPr lang="en-GB"/>
           </a:p>
@@ -3619,7 +3619,7 @@
           <a:p>
             <a:fld id="{C3F934BF-0C8D-4037-B441-EB39C2AE3EEE}" type="datetimeFigureOut">
               <a:rPr lang="en-GB" smtClean="0"/>
-              <a:t>15/08/2023</a:t>
+              <a:t>20/10/2023</a:t>
             </a:fld>
             <a:endParaRPr lang="en-GB"/>
           </a:p>
@@ -6824,35 +6824,72 @@
           <a:bodyPr/>
           <a:lstStyle/>
           <a:p>
+            <a:r>
+              <a:rPr lang="en-GB" dirty="0"/>
+              <a:t>New runs with new SP for </a:t>
+            </a:r>
+            <a:r>
+              <a:rPr lang="en-GB"/>
+              <a:t>vans&amp;trucks</a:t>
+            </a:r>
+          </a:p>
+        </p:txBody>
+      </p:sp>
+      <p:sp>
+        <p:nvSpPr>
+          <p:cNvPr id="3" name="Content Placeholder 2">
+            <a:extLst>
+              <a:ext uri="{FF2B5EF4-FFF2-40B4-BE49-F238E27FC236}">
+                <a16:creationId xmlns:a16="http://schemas.microsoft.com/office/drawing/2014/main" id="{037CBBE9-4A74-B688-D2BE-E6577B7549D4}"/>
+              </a:ext>
+            </a:extLst>
+          </p:cNvPr>
+          <p:cNvSpPr>
+            <a:spLocks noGrp="1"/>
+          </p:cNvSpPr>
+          <p:nvPr>
+            <p:ph idx="1"/>
+          </p:nvPr>
+        </p:nvSpPr>
+        <p:spPr/>
+        <p:txBody>
+          <a:bodyPr/>
+          <a:lstStyle/>
+          <a:p>
             <a:endParaRPr lang="en-GB"/>
           </a:p>
         </p:txBody>
       </p:sp>
-      <p:sp>
-        <p:nvSpPr>
-          <p:cNvPr id="3" name="Content Placeholder 2">
-            <a:extLst>
-              <a:ext uri="{FF2B5EF4-FFF2-40B4-BE49-F238E27FC236}">
-                <a16:creationId xmlns:a16="http://schemas.microsoft.com/office/drawing/2014/main" id="{037CBBE9-4A74-B688-D2BE-E6577B7549D4}"/>
-              </a:ext>
-            </a:extLst>
-          </p:cNvPr>
-          <p:cNvSpPr>
-            <a:spLocks noGrp="1"/>
-          </p:cNvSpPr>
-          <p:nvPr>
-            <p:ph idx="1"/>
-          </p:nvPr>
-        </p:nvSpPr>
-        <p:spPr/>
-        <p:txBody>
-          <a:bodyPr/>
-          <a:lstStyle/>
-          <a:p>
-            <a:endParaRPr lang="en-GB"/>
-          </a:p>
-        </p:txBody>
-      </p:sp>
+      <p:pic>
+        <p:nvPicPr>
+          <p:cNvPr id="5" name="Picture 4">
+            <a:extLst>
+              <a:ext uri="{FF2B5EF4-FFF2-40B4-BE49-F238E27FC236}">
+                <a16:creationId xmlns:a16="http://schemas.microsoft.com/office/drawing/2014/main" id="{C5A89F81-6197-F22E-6803-9775FFBED990}"/>
+              </a:ext>
+            </a:extLst>
+          </p:cNvPr>
+          <p:cNvPicPr>
+            <a:picLocks noChangeAspect="1"/>
+          </p:cNvPicPr>
+          <p:nvPr/>
+        </p:nvPicPr>
+        <p:blipFill>
+          <a:blip r:embed="rId2"/>
+          <a:stretch>
+            <a:fillRect/>
+          </a:stretch>
+        </p:blipFill>
+        <p:spPr>
+          <a:xfrm>
+            <a:off x="147093" y="2922675"/>
+            <a:ext cx="5653129" cy="3448075"/>
+          </a:xfrm>
+          <a:prstGeom prst="rect">
+            <a:avLst/>
+          </a:prstGeom>
+        </p:spPr>
+      </p:pic>
     </p:spTree>
     <p:extLst>
       <p:ext uri="{BB962C8B-B14F-4D97-AF65-F5344CB8AC3E}">

--- a/TEAM-Kenya_diary.pptx
+++ b/TEAM-Kenya_diary.pptx
@@ -5,7 +5,7 @@
     <p:sldMasterId id="2147483648" r:id="rId1"/>
   </p:sldMasterIdLst>
   <p:notesMasterIdLst>
-    <p:notesMasterId r:id="rId29"/>
+    <p:notesMasterId r:id="rId33"/>
   </p:notesMasterIdLst>
   <p:sldIdLst>
     <p:sldId id="256" r:id="rId2"/>
@@ -35,6 +35,10 @@
     <p:sldId id="281" r:id="rId26"/>
     <p:sldId id="282" r:id="rId27"/>
     <p:sldId id="283" r:id="rId28"/>
+    <p:sldId id="284" r:id="rId29"/>
+    <p:sldId id="286" r:id="rId30"/>
+    <p:sldId id="285" r:id="rId31"/>
+    <p:sldId id="287" r:id="rId32"/>
   </p:sldIdLst>
   <p:sldSz cx="12192000" cy="6858000"/>
   <p:notesSz cx="6858000" cy="9144000"/>
@@ -141,232 +145,6 @@
 </p:presentation>
 </file>
 
-<file path=ppt/changesInfos/changesInfo1.xml><?xml version="1.0" encoding="utf-8"?>
-<pc:chgInfo xmlns:a="http://schemas.openxmlformats.org/drawingml/2006/main" xmlns:r="http://schemas.openxmlformats.org/officeDocument/2006/relationships" xmlns:ac="http://schemas.microsoft.com/office/drawing/2013/main/command" xmlns:pc="http://schemas.microsoft.com/office/powerpoint/2013/main/command">
-  <pc:docChgLst>
-    <pc:chgData name="James Dixon" userId="dbe9c319-724c-4517-9577-2868fd82f556" providerId="ADAL" clId="{2410D846-4A43-48B0-94C4-097D62B7C36C}"/>
-    <pc:docChg chg="custSel addSld modSld sldOrd">
-      <pc:chgData name="James Dixon" userId="dbe9c319-724c-4517-9577-2868fd82f556" providerId="ADAL" clId="{2410D846-4A43-48B0-94C4-097D62B7C36C}" dt="2023-06-06T09:58:29.996" v="685" actId="20577"/>
-      <pc:docMkLst>
-        <pc:docMk/>
-      </pc:docMkLst>
-      <pc:sldChg chg="addSp delSp modSp add">
-        <pc:chgData name="James Dixon" userId="dbe9c319-724c-4517-9577-2868fd82f556" providerId="ADAL" clId="{2410D846-4A43-48B0-94C4-097D62B7C36C}" dt="2023-06-06T09:41:36.829" v="616" actId="207"/>
-        <pc:sldMkLst>
-          <pc:docMk/>
-          <pc:sldMk cId="3371730069" sldId="256"/>
-        </pc:sldMkLst>
-        <pc:spChg chg="del">
-          <ac:chgData name="James Dixon" userId="dbe9c319-724c-4517-9577-2868fd82f556" providerId="ADAL" clId="{2410D846-4A43-48B0-94C4-097D62B7C36C}" dt="2023-06-06T08:59:29.634" v="1" actId="478"/>
-          <ac:spMkLst>
-            <pc:docMk/>
-            <pc:sldMk cId="3371730069" sldId="256"/>
-            <ac:spMk id="2" creationId="{7A05B5F7-B13B-4C4E-A457-67B23272118D}"/>
-          </ac:spMkLst>
-        </pc:spChg>
-        <pc:spChg chg="del">
-          <ac:chgData name="James Dixon" userId="dbe9c319-724c-4517-9577-2868fd82f556" providerId="ADAL" clId="{2410D846-4A43-48B0-94C4-097D62B7C36C}" dt="2023-06-06T08:59:29.634" v="1" actId="478"/>
-          <ac:spMkLst>
-            <pc:docMk/>
-            <pc:sldMk cId="3371730069" sldId="256"/>
-            <ac:spMk id="3" creationId="{09118877-0244-4149-B1F2-AFA2266DCAA1}"/>
-          </ac:spMkLst>
-        </pc:spChg>
-        <pc:spChg chg="add mod">
-          <ac:chgData name="James Dixon" userId="dbe9c319-724c-4517-9577-2868fd82f556" providerId="ADAL" clId="{2410D846-4A43-48B0-94C4-097D62B7C36C}" dt="2023-06-06T09:41:07.304" v="578" actId="1076"/>
-          <ac:spMkLst>
-            <pc:docMk/>
-            <pc:sldMk cId="3371730069" sldId="256"/>
-            <ac:spMk id="6" creationId="{2BDB64C8-97FA-4004-B7C9-4F7AD5BA3630}"/>
-          </ac:spMkLst>
-        </pc:spChg>
-        <pc:spChg chg="add mod">
-          <ac:chgData name="James Dixon" userId="dbe9c319-724c-4517-9577-2868fd82f556" providerId="ADAL" clId="{2410D846-4A43-48B0-94C4-097D62B7C36C}" dt="2023-06-06T09:41:36.829" v="616" actId="207"/>
-          <ac:spMkLst>
-            <pc:docMk/>
-            <pc:sldMk cId="3371730069" sldId="256"/>
-            <ac:spMk id="7" creationId="{FCB4D5B4-67BD-4556-AB72-3FD7D7A35786}"/>
-          </ac:spMkLst>
-        </pc:spChg>
-        <pc:graphicFrameChg chg="add del modGraphic">
-          <ac:chgData name="James Dixon" userId="dbe9c319-724c-4517-9577-2868fd82f556" providerId="ADAL" clId="{2410D846-4A43-48B0-94C4-097D62B7C36C}" dt="2023-06-06T09:00:07.747" v="14" actId="478"/>
-          <ac:graphicFrameMkLst>
-            <pc:docMk/>
-            <pc:sldMk cId="3371730069" sldId="256"/>
-            <ac:graphicFrameMk id="4" creationId="{74772E7F-CD27-4579-B59F-73B54CC8B5A1}"/>
-          </ac:graphicFrameMkLst>
-        </pc:graphicFrameChg>
-        <pc:picChg chg="add mod">
-          <ac:chgData name="James Dixon" userId="dbe9c319-724c-4517-9577-2868fd82f556" providerId="ADAL" clId="{2410D846-4A43-48B0-94C4-097D62B7C36C}" dt="2023-06-06T09:00:03.745" v="13" actId="1076"/>
-          <ac:picMkLst>
-            <pc:docMk/>
-            <pc:sldMk cId="3371730069" sldId="256"/>
-            <ac:picMk id="5" creationId="{41DF4D87-967F-4C7C-ADAB-9AFFAF626A52}"/>
-          </ac:picMkLst>
-        </pc:picChg>
-        <pc:picChg chg="add mod">
-          <ac:chgData name="James Dixon" userId="dbe9c319-724c-4517-9577-2868fd82f556" providerId="ADAL" clId="{2410D846-4A43-48B0-94C4-097D62B7C36C}" dt="2023-06-06T08:59:49.969" v="8" actId="1076"/>
-          <ac:picMkLst>
-            <pc:docMk/>
-            <pc:sldMk cId="3371730069" sldId="256"/>
-            <ac:picMk id="1025" creationId="{ACA9D957-80B9-408C-9D02-522FCA88714D}"/>
-          </ac:picMkLst>
-        </pc:picChg>
-        <pc:picChg chg="add mod">
-          <ac:chgData name="James Dixon" userId="dbe9c319-724c-4517-9577-2868fd82f556" providerId="ADAL" clId="{2410D846-4A43-48B0-94C4-097D62B7C36C}" dt="2023-06-06T08:59:51.401" v="10" actId="1076"/>
-          <ac:picMkLst>
-            <pc:docMk/>
-            <pc:sldMk cId="3371730069" sldId="256"/>
-            <ac:picMk id="1026" creationId="{0C0D275B-A279-414C-A2A8-F7A245B2C893}"/>
-          </ac:picMkLst>
-        </pc:picChg>
-      </pc:sldChg>
-      <pc:sldChg chg="addSp delSp modSp add">
-        <pc:chgData name="James Dixon" userId="dbe9c319-724c-4517-9577-2868fd82f556" providerId="ADAL" clId="{2410D846-4A43-48B0-94C4-097D62B7C36C}" dt="2023-06-06T09:10:54.382" v="289" actId="20577"/>
-        <pc:sldMkLst>
-          <pc:docMk/>
-          <pc:sldMk cId="3130343997" sldId="257"/>
-        </pc:sldMkLst>
-        <pc:spChg chg="del">
-          <ac:chgData name="James Dixon" userId="dbe9c319-724c-4517-9577-2868fd82f556" providerId="ADAL" clId="{2410D846-4A43-48B0-94C4-097D62B7C36C}" dt="2023-06-06T09:00:46.387" v="120" actId="478"/>
-          <ac:spMkLst>
-            <pc:docMk/>
-            <pc:sldMk cId="3130343997" sldId="257"/>
-            <ac:spMk id="2" creationId="{7BBDF154-019F-4AB1-A479-544AA8944996}"/>
-          </ac:spMkLst>
-        </pc:spChg>
-        <pc:spChg chg="del">
-          <ac:chgData name="James Dixon" userId="dbe9c319-724c-4517-9577-2868fd82f556" providerId="ADAL" clId="{2410D846-4A43-48B0-94C4-097D62B7C36C}" dt="2023-06-06T09:00:37.963" v="116"/>
-          <ac:spMkLst>
-            <pc:docMk/>
-            <pc:sldMk cId="3130343997" sldId="257"/>
-            <ac:spMk id="3" creationId="{AE7E76E7-1C3A-4686-982B-04AEF12CB418}"/>
-          </ac:spMkLst>
-        </pc:spChg>
-        <pc:spChg chg="add mod">
-          <ac:chgData name="James Dixon" userId="dbe9c319-724c-4517-9577-2868fd82f556" providerId="ADAL" clId="{2410D846-4A43-48B0-94C4-097D62B7C36C}" dt="2023-06-06T09:09:24.659" v="249" actId="1076"/>
-          <ac:spMkLst>
-            <pc:docMk/>
-            <pc:sldMk cId="3130343997" sldId="257"/>
-            <ac:spMk id="5" creationId="{79678517-B484-41E0-A7A0-6496EB17E25B}"/>
-          </ac:spMkLst>
-        </pc:spChg>
-        <pc:spChg chg="add mod">
-          <ac:chgData name="James Dixon" userId="dbe9c319-724c-4517-9577-2868fd82f556" providerId="ADAL" clId="{2410D846-4A43-48B0-94C4-097D62B7C36C}" dt="2023-06-06T09:10:54.382" v="289" actId="20577"/>
-          <ac:spMkLst>
-            <pc:docMk/>
-            <pc:sldMk cId="3130343997" sldId="257"/>
-            <ac:spMk id="9" creationId="{132ADCED-A444-412B-AB76-A74C064DCA36}"/>
-          </ac:spMkLst>
-        </pc:spChg>
-        <pc:picChg chg="add mod">
-          <ac:chgData name="James Dixon" userId="dbe9c319-724c-4517-9577-2868fd82f556" providerId="ADAL" clId="{2410D846-4A43-48B0-94C4-097D62B7C36C}" dt="2023-06-06T09:09:25.843" v="250" actId="1076"/>
-          <ac:picMkLst>
-            <pc:docMk/>
-            <pc:sldMk cId="3130343997" sldId="257"/>
-            <ac:picMk id="4" creationId="{F803A449-6DA8-4740-B6E1-0F28639D8251}"/>
-          </ac:picMkLst>
-        </pc:picChg>
-        <pc:picChg chg="add mod">
-          <ac:chgData name="James Dixon" userId="dbe9c319-724c-4517-9577-2868fd82f556" providerId="ADAL" clId="{2410D846-4A43-48B0-94C4-097D62B7C36C}" dt="2023-06-06T09:09:57.666" v="252" actId="1076"/>
-          <ac:picMkLst>
-            <pc:docMk/>
-            <pc:sldMk cId="3130343997" sldId="257"/>
-            <ac:picMk id="6" creationId="{41CC8805-024D-4072-BFAD-C52C64FD8B90}"/>
-          </ac:picMkLst>
-        </pc:picChg>
-        <pc:picChg chg="add del">
-          <ac:chgData name="James Dixon" userId="dbe9c319-724c-4517-9577-2868fd82f556" providerId="ADAL" clId="{2410D846-4A43-48B0-94C4-097D62B7C36C}" dt="2023-06-06T09:10:18.396" v="254" actId="478"/>
-          <ac:picMkLst>
-            <pc:docMk/>
-            <pc:sldMk cId="3130343997" sldId="257"/>
-            <ac:picMk id="7" creationId="{FC9AB6F1-8A75-464B-AA46-B47A6BCE86FB}"/>
-          </ac:picMkLst>
-        </pc:picChg>
-        <pc:picChg chg="add mod">
-          <ac:chgData name="James Dixon" userId="dbe9c319-724c-4517-9577-2868fd82f556" providerId="ADAL" clId="{2410D846-4A43-48B0-94C4-097D62B7C36C}" dt="2023-06-06T09:10:29.123" v="259" actId="1076"/>
-          <ac:picMkLst>
-            <pc:docMk/>
-            <pc:sldMk cId="3130343997" sldId="257"/>
-            <ac:picMk id="8" creationId="{CE21292A-CC8D-4813-92F1-D27E8C55B21A}"/>
-          </ac:picMkLst>
-        </pc:picChg>
-      </pc:sldChg>
-      <pc:sldChg chg="addSp delSp modSp add ord">
-        <pc:chgData name="James Dixon" userId="dbe9c319-724c-4517-9577-2868fd82f556" providerId="ADAL" clId="{2410D846-4A43-48B0-94C4-097D62B7C36C}" dt="2023-06-06T09:58:08.497" v="619"/>
-        <pc:sldMkLst>
-          <pc:docMk/>
-          <pc:sldMk cId="403042613" sldId="258"/>
-        </pc:sldMkLst>
-        <pc:spChg chg="del">
-          <ac:chgData name="James Dixon" userId="dbe9c319-724c-4517-9577-2868fd82f556" providerId="ADAL" clId="{2410D846-4A43-48B0-94C4-097D62B7C36C}" dt="2023-06-06T09:11:03.250" v="291"/>
-          <ac:spMkLst>
-            <pc:docMk/>
-            <pc:sldMk cId="403042613" sldId="258"/>
-            <ac:spMk id="2" creationId="{5EE8944D-D5C5-499A-A711-182819943234}"/>
-          </ac:spMkLst>
-        </pc:spChg>
-        <pc:spChg chg="del">
-          <ac:chgData name="James Dixon" userId="dbe9c319-724c-4517-9577-2868fd82f556" providerId="ADAL" clId="{2410D846-4A43-48B0-94C4-097D62B7C36C}" dt="2023-06-06T09:11:03.250" v="291"/>
-          <ac:spMkLst>
-            <pc:docMk/>
-            <pc:sldMk cId="403042613" sldId="258"/>
-            <ac:spMk id="3" creationId="{56C17C5E-D126-4076-9F91-39202A3D2011}"/>
-          </ac:spMkLst>
-        </pc:spChg>
-        <pc:spChg chg="add mod">
-          <ac:chgData name="James Dixon" userId="dbe9c319-724c-4517-9577-2868fd82f556" providerId="ADAL" clId="{2410D846-4A43-48B0-94C4-097D62B7C36C}" dt="2023-06-06T09:40:20.752" v="394" actId="14100"/>
-          <ac:spMkLst>
-            <pc:docMk/>
-            <pc:sldMk cId="403042613" sldId="258"/>
-            <ac:spMk id="5" creationId="{993163A3-0FB4-4EAC-99CB-2DCDD57981CD}"/>
-          </ac:spMkLst>
-        </pc:spChg>
-        <pc:spChg chg="add mod">
-          <ac:chgData name="James Dixon" userId="dbe9c319-724c-4517-9577-2868fd82f556" providerId="ADAL" clId="{2410D846-4A43-48B0-94C4-097D62B7C36C}" dt="2023-06-06T09:40:54.242" v="576" actId="20577"/>
-          <ac:spMkLst>
-            <pc:docMk/>
-            <pc:sldMk cId="403042613" sldId="258"/>
-            <ac:spMk id="6" creationId="{D8C78EA2-1987-4BBE-A7A5-7BD67F1FB2D5}"/>
-          </ac:spMkLst>
-        </pc:spChg>
-        <pc:picChg chg="add mod">
-          <ac:chgData name="James Dixon" userId="dbe9c319-724c-4517-9577-2868fd82f556" providerId="ADAL" clId="{2410D846-4A43-48B0-94C4-097D62B7C36C}" dt="2023-06-06T09:22:51.573" v="294" actId="1076"/>
-          <ac:picMkLst>
-            <pc:docMk/>
-            <pc:sldMk cId="403042613" sldId="258"/>
-            <ac:picMk id="4" creationId="{E1BE619A-908D-48D4-A860-5355F61012FC}"/>
-          </ac:picMkLst>
-        </pc:picChg>
-      </pc:sldChg>
-      <pc:sldChg chg="addSp modSp add">
-        <pc:chgData name="James Dixon" userId="dbe9c319-724c-4517-9577-2868fd82f556" providerId="ADAL" clId="{2410D846-4A43-48B0-94C4-097D62B7C36C}" dt="2023-06-06T09:58:29.996" v="685" actId="20577"/>
-        <pc:sldMkLst>
-          <pc:docMk/>
-          <pc:sldMk cId="4222956741" sldId="259"/>
-        </pc:sldMkLst>
-        <pc:spChg chg="add mod">
-          <ac:chgData name="James Dixon" userId="dbe9c319-724c-4517-9577-2868fd82f556" providerId="ADAL" clId="{2410D846-4A43-48B0-94C4-097D62B7C36C}" dt="2023-06-06T09:58:29.996" v="685" actId="20577"/>
-          <ac:spMkLst>
-            <pc:docMk/>
-            <pc:sldMk cId="4222956741" sldId="259"/>
-            <ac:spMk id="3" creationId="{FC3EA84A-B570-4290-9A18-70E205E33985}"/>
-          </ac:spMkLst>
-        </pc:spChg>
-        <pc:picChg chg="add mod">
-          <ac:chgData name="James Dixon" userId="dbe9c319-724c-4517-9577-2868fd82f556" providerId="ADAL" clId="{2410D846-4A43-48B0-94C4-097D62B7C36C}" dt="2023-06-06T09:58:15.666" v="621" actId="1076"/>
-          <ac:picMkLst>
-            <pc:docMk/>
-            <pc:sldMk cId="4222956741" sldId="259"/>
-            <ac:picMk id="2" creationId="{F806438C-2E54-4B7C-92F6-93C7651018AE}"/>
-          </ac:picMkLst>
-        </pc:picChg>
-      </pc:sldChg>
-    </pc:docChg>
-  </pc:docChgLst>
-</pc:chgInfo>
-</file>
-
 <file path=ppt/notesMasters/notesMaster1.xml><?xml version="1.0" encoding="utf-8"?>
 <p:notesMaster xmlns:a="http://schemas.openxmlformats.org/drawingml/2006/main" xmlns:r="http://schemas.openxmlformats.org/officeDocument/2006/relationships" xmlns:p="http://schemas.openxmlformats.org/presentationml/2006/main">
   <p:cSld>
@@ -449,7 +227,7 @@
           <a:p>
             <a:fld id="{04F52970-D95F-4388-9FAB-DA6AA324123E}" type="datetimeFigureOut">
               <a:rPr lang="en-GB" smtClean="0"/>
-              <a:t>20/10/2023</a:t>
+              <a:t>07/02/2024</a:t>
             </a:fld>
             <a:endParaRPr lang="en-GB"/>
           </a:p>
@@ -950,7 +728,7 @@
           <a:p>
             <a:fld id="{C3F934BF-0C8D-4037-B441-EB39C2AE3EEE}" type="datetimeFigureOut">
               <a:rPr lang="en-GB" smtClean="0"/>
-              <a:t>20/10/2023</a:t>
+              <a:t>07/02/2024</a:t>
             </a:fld>
             <a:endParaRPr lang="en-GB"/>
           </a:p>
@@ -1150,7 +928,7 @@
           <a:p>
             <a:fld id="{C3F934BF-0C8D-4037-B441-EB39C2AE3EEE}" type="datetimeFigureOut">
               <a:rPr lang="en-GB" smtClean="0"/>
-              <a:t>20/10/2023</a:t>
+              <a:t>07/02/2024</a:t>
             </a:fld>
             <a:endParaRPr lang="en-GB"/>
           </a:p>
@@ -1360,7 +1138,7 @@
           <a:p>
             <a:fld id="{C3F934BF-0C8D-4037-B441-EB39C2AE3EEE}" type="datetimeFigureOut">
               <a:rPr lang="en-GB" smtClean="0"/>
-              <a:t>20/10/2023</a:t>
+              <a:t>07/02/2024</a:t>
             </a:fld>
             <a:endParaRPr lang="en-GB"/>
           </a:p>
@@ -1560,7 +1338,7 @@
           <a:p>
             <a:fld id="{C3F934BF-0C8D-4037-B441-EB39C2AE3EEE}" type="datetimeFigureOut">
               <a:rPr lang="en-GB" smtClean="0"/>
-              <a:t>20/10/2023</a:t>
+              <a:t>07/02/2024</a:t>
             </a:fld>
             <a:endParaRPr lang="en-GB"/>
           </a:p>
@@ -1836,7 +1614,7 @@
           <a:p>
             <a:fld id="{C3F934BF-0C8D-4037-B441-EB39C2AE3EEE}" type="datetimeFigureOut">
               <a:rPr lang="en-GB" smtClean="0"/>
-              <a:t>20/10/2023</a:t>
+              <a:t>07/02/2024</a:t>
             </a:fld>
             <a:endParaRPr lang="en-GB"/>
           </a:p>
@@ -2104,7 +1882,7 @@
           <a:p>
             <a:fld id="{C3F934BF-0C8D-4037-B441-EB39C2AE3EEE}" type="datetimeFigureOut">
               <a:rPr lang="en-GB" smtClean="0"/>
-              <a:t>20/10/2023</a:t>
+              <a:t>07/02/2024</a:t>
             </a:fld>
             <a:endParaRPr lang="en-GB"/>
           </a:p>
@@ -2519,7 +2297,7 @@
           <a:p>
             <a:fld id="{C3F934BF-0C8D-4037-B441-EB39C2AE3EEE}" type="datetimeFigureOut">
               <a:rPr lang="en-GB" smtClean="0"/>
-              <a:t>20/10/2023</a:t>
+              <a:t>07/02/2024</a:t>
             </a:fld>
             <a:endParaRPr lang="en-GB"/>
           </a:p>
@@ -2661,7 +2439,7 @@
           <a:p>
             <a:fld id="{C3F934BF-0C8D-4037-B441-EB39C2AE3EEE}" type="datetimeFigureOut">
               <a:rPr lang="en-GB" smtClean="0"/>
-              <a:t>20/10/2023</a:t>
+              <a:t>07/02/2024</a:t>
             </a:fld>
             <a:endParaRPr lang="en-GB"/>
           </a:p>
@@ -2774,7 +2552,7 @@
           <a:p>
             <a:fld id="{C3F934BF-0C8D-4037-B441-EB39C2AE3EEE}" type="datetimeFigureOut">
               <a:rPr lang="en-GB" smtClean="0"/>
-              <a:t>20/10/2023</a:t>
+              <a:t>07/02/2024</a:t>
             </a:fld>
             <a:endParaRPr lang="en-GB"/>
           </a:p>
@@ -3087,7 +2865,7 @@
           <a:p>
             <a:fld id="{C3F934BF-0C8D-4037-B441-EB39C2AE3EEE}" type="datetimeFigureOut">
               <a:rPr lang="en-GB" smtClean="0"/>
-              <a:t>20/10/2023</a:t>
+              <a:t>07/02/2024</a:t>
             </a:fld>
             <a:endParaRPr lang="en-GB"/>
           </a:p>
@@ -3376,7 +3154,7 @@
           <a:p>
             <a:fld id="{C3F934BF-0C8D-4037-B441-EB39C2AE3EEE}" type="datetimeFigureOut">
               <a:rPr lang="en-GB" smtClean="0"/>
-              <a:t>20/10/2023</a:t>
+              <a:t>07/02/2024</a:t>
             </a:fld>
             <a:endParaRPr lang="en-GB"/>
           </a:p>
@@ -3619,7 +3397,7 @@
           <a:p>
             <a:fld id="{C3F934BF-0C8D-4037-B441-EB39C2AE3EEE}" type="datetimeFigureOut">
               <a:rPr lang="en-GB" smtClean="0"/>
-              <a:t>20/10/2023</a:t>
+              <a:t>07/02/2024</a:t>
             </a:fld>
             <a:endParaRPr lang="en-GB"/>
           </a:p>
@@ -6903,6 +6681,178 @@
 </p:sld>
 </file>
 
+<file path=ppt/slides/slide28.xml><?xml version="1.0" encoding="utf-8"?>
+<p:sld xmlns:a="http://schemas.openxmlformats.org/drawingml/2006/main" xmlns:r="http://schemas.openxmlformats.org/officeDocument/2006/relationships" xmlns:p="http://schemas.openxmlformats.org/presentationml/2006/main">
+  <p:cSld>
+    <p:spTree>
+      <p:nvGrpSpPr>
+        <p:cNvPr id="1" name=""/>
+        <p:cNvGrpSpPr/>
+        <p:nvPr/>
+      </p:nvGrpSpPr>
+      <p:grpSpPr>
+        <a:xfrm>
+          <a:off x="0" y="0"/>
+          <a:ext cx="0" cy="0"/>
+          <a:chOff x="0" y="0"/>
+          <a:chExt cx="0" cy="0"/>
+        </a:xfrm>
+      </p:grpSpPr>
+      <p:sp>
+        <p:nvSpPr>
+          <p:cNvPr id="2" name="Title 1">
+            <a:extLst>
+              <a:ext uri="{FF2B5EF4-FFF2-40B4-BE49-F238E27FC236}">
+                <a16:creationId xmlns:a16="http://schemas.microsoft.com/office/drawing/2014/main" id="{14D63ABE-910A-8CB3-4423-B6FE230DD5F8}"/>
+              </a:ext>
+            </a:extLst>
+          </p:cNvPr>
+          <p:cNvSpPr>
+            <a:spLocks noGrp="1"/>
+          </p:cNvSpPr>
+          <p:nvPr>
+            <p:ph type="title"/>
+          </p:nvPr>
+        </p:nvSpPr>
+        <p:spPr/>
+        <p:txBody>
+          <a:bodyPr/>
+          <a:lstStyle/>
+          <a:p>
+            <a:r>
+              <a:rPr lang="en-GB" dirty="0"/>
+              <a:t>Moto calibration</a:t>
+            </a:r>
+          </a:p>
+        </p:txBody>
+      </p:sp>
+      <p:pic>
+        <p:nvPicPr>
+          <p:cNvPr id="5" name="Picture 4">
+            <a:extLst>
+              <a:ext uri="{FF2B5EF4-FFF2-40B4-BE49-F238E27FC236}">
+                <a16:creationId xmlns:a16="http://schemas.microsoft.com/office/drawing/2014/main" id="{C1AB9451-C20A-2B58-A891-509C630F639D}"/>
+              </a:ext>
+            </a:extLst>
+          </p:cNvPr>
+          <p:cNvPicPr>
+            <a:picLocks noChangeAspect="1"/>
+          </p:cNvPicPr>
+          <p:nvPr/>
+        </p:nvPicPr>
+        <p:blipFill>
+          <a:blip r:embed="rId2"/>
+          <a:stretch>
+            <a:fillRect/>
+          </a:stretch>
+        </p:blipFill>
+        <p:spPr>
+          <a:xfrm>
+            <a:off x="1807199" y="1535573"/>
+            <a:ext cx="8577601" cy="4646535"/>
+          </a:xfrm>
+          <a:prstGeom prst="rect">
+            <a:avLst/>
+          </a:prstGeom>
+        </p:spPr>
+      </p:pic>
+    </p:spTree>
+    <p:extLst>
+      <p:ext uri="{BB962C8B-B14F-4D97-AF65-F5344CB8AC3E}">
+        <p14:creationId xmlns:p14="http://schemas.microsoft.com/office/powerpoint/2010/main" val="2162492802"/>
+      </p:ext>
+    </p:extLst>
+  </p:cSld>
+  <p:clrMapOvr>
+    <a:masterClrMapping/>
+  </p:clrMapOvr>
+</p:sld>
+</file>
+
+<file path=ppt/slides/slide29.xml><?xml version="1.0" encoding="utf-8"?>
+<p:sld xmlns:a="http://schemas.openxmlformats.org/drawingml/2006/main" xmlns:r="http://schemas.openxmlformats.org/officeDocument/2006/relationships" xmlns:p="http://schemas.openxmlformats.org/presentationml/2006/main">
+  <p:cSld>
+    <p:spTree>
+      <p:nvGrpSpPr>
+        <p:cNvPr id="1" name=""/>
+        <p:cNvGrpSpPr/>
+        <p:nvPr/>
+      </p:nvGrpSpPr>
+      <p:grpSpPr>
+        <a:xfrm>
+          <a:off x="0" y="0"/>
+          <a:ext cx="0" cy="0"/>
+          <a:chOff x="0" y="0"/>
+          <a:chExt cx="0" cy="0"/>
+        </a:xfrm>
+      </p:grpSpPr>
+      <p:sp>
+        <p:nvSpPr>
+          <p:cNvPr id="2" name="Title 1">
+            <a:extLst>
+              <a:ext uri="{FF2B5EF4-FFF2-40B4-BE49-F238E27FC236}">
+                <a16:creationId xmlns:a16="http://schemas.microsoft.com/office/drawing/2014/main" id="{F62260EC-4BCC-4C82-14D1-778DCB516868}"/>
+              </a:ext>
+            </a:extLst>
+          </p:cNvPr>
+          <p:cNvSpPr>
+            <a:spLocks noGrp="1"/>
+          </p:cNvSpPr>
+          <p:nvPr>
+            <p:ph type="title"/>
+          </p:nvPr>
+        </p:nvSpPr>
+        <p:spPr/>
+        <p:txBody>
+          <a:bodyPr/>
+          <a:lstStyle/>
+          <a:p>
+            <a:endParaRPr lang="en-GB"/>
+          </a:p>
+        </p:txBody>
+      </p:sp>
+      <p:pic>
+        <p:nvPicPr>
+          <p:cNvPr id="5" name="Content Placeholder 4">
+            <a:extLst>
+              <a:ext uri="{FF2B5EF4-FFF2-40B4-BE49-F238E27FC236}">
+                <a16:creationId xmlns:a16="http://schemas.microsoft.com/office/drawing/2014/main" id="{9BBFC65F-C3E7-03D9-EBD3-3E875A53C4D1}"/>
+              </a:ext>
+            </a:extLst>
+          </p:cNvPr>
+          <p:cNvPicPr>
+            <a:picLocks noGrp="1" noChangeAspect="1"/>
+          </p:cNvPicPr>
+          <p:nvPr>
+            <p:ph idx="1"/>
+          </p:nvPr>
+        </p:nvPicPr>
+        <p:blipFill>
+          <a:blip r:embed="rId2"/>
+          <a:stretch>
+            <a:fillRect/>
+          </a:stretch>
+        </p:blipFill>
+        <p:spPr>
+          <a:xfrm>
+            <a:off x="3388013" y="1825625"/>
+            <a:ext cx="5415974" cy="4351338"/>
+          </a:xfrm>
+        </p:spPr>
+      </p:pic>
+    </p:spTree>
+    <p:extLst>
+      <p:ext uri="{BB962C8B-B14F-4D97-AF65-F5344CB8AC3E}">
+        <p14:creationId xmlns:p14="http://schemas.microsoft.com/office/powerpoint/2010/main" val="3001836671"/>
+      </p:ext>
+    </p:extLst>
+  </p:cSld>
+  <p:clrMapOvr>
+    <a:masterClrMapping/>
+  </p:clrMapOvr>
+</p:sld>
+</file>
+
 <file path=ppt/slides/slide3.xml><?xml version="1.0" encoding="utf-8"?>
 <p:sld xmlns:a="http://schemas.openxmlformats.org/drawingml/2006/main" xmlns:r="http://schemas.openxmlformats.org/officeDocument/2006/relationships" xmlns:p="http://schemas.openxmlformats.org/presentationml/2006/main">
   <p:cSld>
@@ -6989,6 +6939,183 @@
     <p:extLst>
       <p:ext uri="{BB962C8B-B14F-4D97-AF65-F5344CB8AC3E}">
         <p14:creationId xmlns:p14="http://schemas.microsoft.com/office/powerpoint/2010/main" val="4222956741"/>
+      </p:ext>
+    </p:extLst>
+  </p:cSld>
+  <p:clrMapOvr>
+    <a:masterClrMapping/>
+  </p:clrMapOvr>
+</p:sld>
+</file>
+
+<file path=ppt/slides/slide30.xml><?xml version="1.0" encoding="utf-8"?>
+<p:sld xmlns:a="http://schemas.openxmlformats.org/drawingml/2006/main" xmlns:r="http://schemas.openxmlformats.org/officeDocument/2006/relationships" xmlns:p="http://schemas.openxmlformats.org/presentationml/2006/main">
+  <p:cSld>
+    <p:spTree>
+      <p:nvGrpSpPr>
+        <p:cNvPr id="1" name=""/>
+        <p:cNvGrpSpPr/>
+        <p:nvPr/>
+      </p:nvGrpSpPr>
+      <p:grpSpPr>
+        <a:xfrm>
+          <a:off x="0" y="0"/>
+          <a:ext cx="0" cy="0"/>
+          <a:chOff x="0" y="0"/>
+          <a:chExt cx="0" cy="0"/>
+        </a:xfrm>
+      </p:grpSpPr>
+      <p:pic>
+        <p:nvPicPr>
+          <p:cNvPr id="5" name="Picture 4">
+            <a:extLst>
+              <a:ext uri="{FF2B5EF4-FFF2-40B4-BE49-F238E27FC236}">
+                <a16:creationId xmlns:a16="http://schemas.microsoft.com/office/drawing/2014/main" id="{18778C05-8192-C7AE-7D5E-5E98A092D267}"/>
+              </a:ext>
+            </a:extLst>
+          </p:cNvPr>
+          <p:cNvPicPr>
+            <a:picLocks noChangeAspect="1"/>
+          </p:cNvPicPr>
+          <p:nvPr/>
+        </p:nvPicPr>
+        <p:blipFill>
+          <a:blip r:embed="rId2"/>
+          <a:stretch>
+            <a:fillRect/>
+          </a:stretch>
+        </p:blipFill>
+        <p:spPr>
+          <a:xfrm>
+            <a:off x="0" y="438270"/>
+            <a:ext cx="8534400" cy="5981459"/>
+          </a:xfrm>
+          <a:prstGeom prst="rect">
+            <a:avLst/>
+          </a:prstGeom>
+        </p:spPr>
+      </p:pic>
+      <p:sp>
+        <p:nvSpPr>
+          <p:cNvPr id="6" name="TextBox 5">
+            <a:extLst>
+              <a:ext uri="{FF2B5EF4-FFF2-40B4-BE49-F238E27FC236}">
+                <a16:creationId xmlns:a16="http://schemas.microsoft.com/office/drawing/2014/main" id="{676D515C-9721-A24A-8685-D3864F8DF809}"/>
+              </a:ext>
+            </a:extLst>
+          </p:cNvPr>
+          <p:cNvSpPr txBox="1"/>
+          <p:nvPr/>
+        </p:nvSpPr>
+        <p:spPr>
+          <a:xfrm>
+            <a:off x="8534400" y="3921824"/>
+            <a:ext cx="1377538" cy="646331"/>
+          </a:xfrm>
+          <a:prstGeom prst="rect">
+            <a:avLst/>
+          </a:prstGeom>
+          <a:noFill/>
+        </p:spPr>
+        <p:txBody>
+          <a:bodyPr wrap="square" rtlCol="0">
+            <a:spAutoFit/>
+          </a:bodyPr>
+          <a:lstStyle/>
+          <a:p>
+            <a:r>
+              <a:rPr lang="en-GB" dirty="0"/>
+              <a:t>This is the problem</a:t>
+            </a:r>
+          </a:p>
+        </p:txBody>
+      </p:sp>
+      <p:sp>
+        <p:nvSpPr>
+          <p:cNvPr id="7" name="Oval 6">
+            <a:extLst>
+              <a:ext uri="{FF2B5EF4-FFF2-40B4-BE49-F238E27FC236}">
+                <a16:creationId xmlns:a16="http://schemas.microsoft.com/office/drawing/2014/main" id="{95A0BD67-96F3-32B7-B030-CDAED379B9C6}"/>
+              </a:ext>
+            </a:extLst>
+          </p:cNvPr>
+          <p:cNvSpPr/>
+          <p:nvPr/>
+        </p:nvSpPr>
+        <p:spPr>
+          <a:xfrm>
+            <a:off x="6952593" y="4108861"/>
+            <a:ext cx="1377538" cy="272259"/>
+          </a:xfrm>
+          <a:prstGeom prst="ellipse">
+            <a:avLst/>
+          </a:prstGeom>
+          <a:noFill/>
+          <a:ln>
+            <a:solidFill>
+              <a:srgbClr val="FF0000"/>
+            </a:solidFill>
+          </a:ln>
+        </p:spPr>
+        <p:style>
+          <a:lnRef idx="2">
+            <a:schemeClr val="accent1">
+              <a:shade val="15000"/>
+            </a:schemeClr>
+          </a:lnRef>
+          <a:fillRef idx="1">
+            <a:schemeClr val="accent1"/>
+          </a:fillRef>
+          <a:effectRef idx="0">
+            <a:schemeClr val="accent1"/>
+          </a:effectRef>
+          <a:fontRef idx="minor">
+            <a:schemeClr val="lt1"/>
+          </a:fontRef>
+        </p:style>
+        <p:txBody>
+          <a:bodyPr rtlCol="0" anchor="ctr"/>
+          <a:lstStyle/>
+          <a:p>
+            <a:pPr algn="ctr"/>
+            <a:endParaRPr lang="en-GB"/>
+          </a:p>
+        </p:txBody>
+      </p:sp>
+    </p:spTree>
+    <p:extLst>
+      <p:ext uri="{BB962C8B-B14F-4D97-AF65-F5344CB8AC3E}">
+        <p14:creationId xmlns:p14="http://schemas.microsoft.com/office/powerpoint/2010/main" val="3892701880"/>
+      </p:ext>
+    </p:extLst>
+  </p:cSld>
+  <p:clrMapOvr>
+    <a:masterClrMapping/>
+  </p:clrMapOvr>
+</p:sld>
+</file>
+
+<file path=ppt/slides/slide31.xml><?xml version="1.0" encoding="utf-8"?>
+<p:sld xmlns:a="http://schemas.openxmlformats.org/drawingml/2006/main" xmlns:r="http://schemas.openxmlformats.org/officeDocument/2006/relationships" xmlns:p="http://schemas.openxmlformats.org/presentationml/2006/main">
+  <p:cSld>
+    <p:spTree>
+      <p:nvGrpSpPr>
+        <p:cNvPr id="1" name=""/>
+        <p:cNvGrpSpPr/>
+        <p:nvPr/>
+      </p:nvGrpSpPr>
+      <p:grpSpPr>
+        <a:xfrm>
+          <a:off x="0" y="0"/>
+          <a:ext cx="0" cy="0"/>
+          <a:chOff x="0" y="0"/>
+          <a:chExt cx="0" cy="0"/>
+        </a:xfrm>
+      </p:grpSpPr>
+    </p:spTree>
+    <p:extLst>
+      <p:ext uri="{BB962C8B-B14F-4D97-AF65-F5344CB8AC3E}">
+        <p14:creationId xmlns:p14="http://schemas.microsoft.com/office/powerpoint/2010/main" val="621287966"/>
       </p:ext>
     </p:extLst>
   </p:cSld>
